--- a/Module 2 - The Importance of Tests.pptx
+++ b/Module 2 - The Importance of Tests.pptx
@@ -25,6 +25,8 @@
     <p:sldId id="284" r:id="rId19"/>
     <p:sldId id="291" r:id="rId20"/>
     <p:sldId id="292" r:id="rId21"/>
+    <p:sldId id="474" r:id="rId22"/>
+    <p:sldId id="473" r:id="rId23"/>
   </p:sldIdLst>
   <p:sldSz cx="9144000" cy="6858000" type="screen4x3"/>
   <p:notesSz cx="6858000" cy="9144000"/>
@@ -321,7 +323,7 @@
           <a:p>
             <a:fld id="{543982D4-381D-4B7B-A1A5-B3B6E72EF21D}" type="datetimeFigureOut">
               <a:rPr lang="en-US" smtClean="0"/>
-              <a:t>7/15/2025</a:t>
+              <a:t>7/19/2025</a:t>
             </a:fld>
             <a:endParaRPr lang="en-US"/>
           </a:p>
@@ -489,7 +491,7 @@
           <a:p>
             <a:fld id="{543982D4-381D-4B7B-A1A5-B3B6E72EF21D}" type="datetimeFigureOut">
               <a:rPr lang="en-US" smtClean="0"/>
-              <a:t>7/15/2025</a:t>
+              <a:t>7/19/2025</a:t>
             </a:fld>
             <a:endParaRPr lang="en-US"/>
           </a:p>
@@ -667,7 +669,7 @@
           <a:p>
             <a:fld id="{543982D4-381D-4B7B-A1A5-B3B6E72EF21D}" type="datetimeFigureOut">
               <a:rPr lang="en-US" smtClean="0"/>
-              <a:t>7/15/2025</a:t>
+              <a:t>7/19/2025</a:t>
             </a:fld>
             <a:endParaRPr lang="en-US"/>
           </a:p>
@@ -835,7 +837,7 @@
           <a:p>
             <a:fld id="{543982D4-381D-4B7B-A1A5-B3B6E72EF21D}" type="datetimeFigureOut">
               <a:rPr lang="en-US" smtClean="0"/>
-              <a:t>7/15/2025</a:t>
+              <a:t>7/19/2025</a:t>
             </a:fld>
             <a:endParaRPr lang="en-US"/>
           </a:p>
@@ -1150,7 +1152,7 @@
           <a:p>
             <a:fld id="{543982D4-381D-4B7B-A1A5-B3B6E72EF21D}" type="datetimeFigureOut">
               <a:rPr lang="en-US" smtClean="0"/>
-              <a:t>7/15/2025</a:t>
+              <a:t>7/19/2025</a:t>
             </a:fld>
             <a:endParaRPr lang="en-US"/>
           </a:p>
@@ -1435,7 +1437,7 @@
           <a:p>
             <a:fld id="{543982D4-381D-4B7B-A1A5-B3B6E72EF21D}" type="datetimeFigureOut">
               <a:rPr lang="en-US" smtClean="0"/>
-              <a:t>7/15/2025</a:t>
+              <a:t>7/19/2025</a:t>
             </a:fld>
             <a:endParaRPr lang="en-US"/>
           </a:p>
@@ -1854,7 +1856,7 @@
           <a:p>
             <a:fld id="{543982D4-381D-4B7B-A1A5-B3B6E72EF21D}" type="datetimeFigureOut">
               <a:rPr lang="en-US" smtClean="0"/>
-              <a:t>7/15/2025</a:t>
+              <a:t>7/19/2025</a:t>
             </a:fld>
             <a:endParaRPr lang="en-US"/>
           </a:p>
@@ -1971,7 +1973,7 @@
           <a:p>
             <a:fld id="{543982D4-381D-4B7B-A1A5-B3B6E72EF21D}" type="datetimeFigureOut">
               <a:rPr lang="en-US" smtClean="0"/>
-              <a:t>7/15/2025</a:t>
+              <a:t>7/19/2025</a:t>
             </a:fld>
             <a:endParaRPr lang="en-US"/>
           </a:p>
@@ -2066,7 +2068,7 @@
           <a:p>
             <a:fld id="{543982D4-381D-4B7B-A1A5-B3B6E72EF21D}" type="datetimeFigureOut">
               <a:rPr lang="en-US" smtClean="0"/>
-              <a:t>7/15/2025</a:t>
+              <a:t>7/19/2025</a:t>
             </a:fld>
             <a:endParaRPr lang="en-US"/>
           </a:p>
@@ -2341,7 +2343,7 @@
           <a:p>
             <a:fld id="{543982D4-381D-4B7B-A1A5-B3B6E72EF21D}" type="datetimeFigureOut">
               <a:rPr lang="en-US" smtClean="0"/>
-              <a:t>7/15/2025</a:t>
+              <a:t>7/19/2025</a:t>
             </a:fld>
             <a:endParaRPr lang="en-US"/>
           </a:p>
@@ -2593,7 +2595,7 @@
           <a:p>
             <a:fld id="{543982D4-381D-4B7B-A1A5-B3B6E72EF21D}" type="datetimeFigureOut">
               <a:rPr lang="en-US" smtClean="0"/>
-              <a:t>7/15/2025</a:t>
+              <a:t>7/19/2025</a:t>
             </a:fld>
             <a:endParaRPr lang="en-US"/>
           </a:p>
@@ -2804,7 +2806,7 @@
           <a:p>
             <a:fld id="{543982D4-381D-4B7B-A1A5-B3B6E72EF21D}" type="datetimeFigureOut">
               <a:rPr lang="en-US" smtClean="0"/>
-              <a:t>7/15/2025</a:t>
+              <a:t>7/19/2025</a:t>
             </a:fld>
             <a:endParaRPr lang="en-US"/>
           </a:p>
@@ -4415,39 +4417,79 @@
         </p:spPr>
         <p:txBody>
           <a:bodyPr>
-            <a:normAutofit/>
+            <a:normAutofit lnSpcReduction="10000"/>
           </a:bodyPr>
           <a:lstStyle/>
           <a:p>
             <a:r>
-              <a:rPr lang="en-US" dirty="0"/>
-              <a:t>Dependency Injection is a style of encoding that improves testability and extensibility.</a:t>
-            </a:r>
-          </a:p>
-          <a:p>
-            <a:r>
-              <a:rPr lang="en-US" dirty="0"/>
+              <a:rPr lang="en-US" dirty="0">
+                <a:solidFill>
+                  <a:schemeClr val="accent1"/>
+                </a:solidFill>
+              </a:rPr>
+              <a:t>Dependency Injection is a key development technique that improves testability and extensibility.</a:t>
+            </a:r>
+          </a:p>
+          <a:p>
+            <a:r>
+              <a:rPr lang="en-US" dirty="0">
+                <a:solidFill>
+                  <a:schemeClr val="accent1"/>
+                </a:solidFill>
+              </a:rPr>
               <a:t>Rather than depending on concrete classes, depend on interfaces.</a:t>
             </a:r>
           </a:p>
           <a:p>
             <a:r>
-              <a:rPr lang="en-US" dirty="0"/>
+              <a:rPr lang="en-US" dirty="0">
+                <a:solidFill>
+                  <a:schemeClr val="accent1"/>
+                </a:solidFill>
+              </a:rPr>
               <a:t>The interfaces are passed into the </a:t>
             </a:r>
             <a:r>
-              <a:rPr lang="en-US" dirty="0" err="1"/>
+              <a:rPr lang="en-US" dirty="0" err="1">
+                <a:solidFill>
+                  <a:schemeClr val="accent1"/>
+                </a:solidFill>
+              </a:rPr>
               <a:t>ctor</a:t>
             </a:r>
             <a:r>
-              <a:rPr lang="en-US" dirty="0"/>
+              <a:rPr lang="en-US" dirty="0">
+                <a:solidFill>
+                  <a:schemeClr val="accent1"/>
+                </a:solidFill>
+              </a:rPr>
               <a:t> and stored as immutable fields.</a:t>
             </a:r>
           </a:p>
           <a:p>
             <a:r>
-              <a:rPr lang="en-US" dirty="0"/>
-              <a:t>This is the Composition in Prefer Composition over Inheritance</a:t>
+              <a:rPr lang="en-US" dirty="0">
+                <a:solidFill>
+                  <a:schemeClr val="accent1"/>
+                </a:solidFill>
+              </a:rPr>
+              <a:t>This is how we implemented </a:t>
+            </a:r>
+            <a:r>
+              <a:rPr lang="en-US" dirty="0">
+                <a:solidFill>
+                  <a:schemeClr val="accent3"/>
+                </a:solidFill>
+              </a:rPr>
+              <a:t>Composition</a:t>
+            </a:r>
+            <a:r>
+              <a:rPr lang="en-US" dirty="0">
+                <a:solidFill>
+                  <a:schemeClr val="accent1"/>
+                </a:solidFill>
+              </a:rPr>
+              <a:t> in Prefer Composition over Inheritance</a:t>
             </a:r>
           </a:p>
         </p:txBody>
@@ -4518,7 +4560,15 @@
           <a:p>
             <a:r>
               <a:rPr lang="en-US" dirty="0"/>
-              <a:t>Dependency Injection: Benefits</a:t>
+              <a:t>Dependency Injection: </a:t>
+            </a:r>
+            <a:r>
+              <a:rPr lang="en-US" dirty="0">
+                <a:solidFill>
+                  <a:schemeClr val="accent3"/>
+                </a:solidFill>
+              </a:rPr>
+              <a:t>Benefits</a:t>
             </a:r>
           </a:p>
         </p:txBody>
@@ -4552,26 +4602,52 @@
           <a:lstStyle/>
           <a:p>
             <a:r>
-              <a:rPr lang="en-US" dirty="0"/>
+              <a:rPr lang="en-US" dirty="0">
+                <a:solidFill>
+                  <a:schemeClr val="accent1"/>
+                </a:solidFill>
+              </a:rPr>
               <a:t>Implementations can be changed without changing the class that uses them.</a:t>
             </a:r>
           </a:p>
           <a:p>
             <a:r>
-              <a:rPr lang="en-US" dirty="0"/>
+              <a:rPr lang="en-US" dirty="0">
+                <a:solidFill>
+                  <a:schemeClr val="accent1"/>
+                </a:solidFill>
+              </a:rPr>
               <a:t>This allows you to extend the code easily.</a:t>
             </a:r>
           </a:p>
           <a:p>
             <a:r>
-              <a:rPr lang="en-US" dirty="0"/>
+              <a:rPr lang="en-US" dirty="0">
+                <a:solidFill>
+                  <a:schemeClr val="accent1"/>
+                </a:solidFill>
+              </a:rPr>
               <a:t>It also allows you to replace real implementations with mocks and stubs.</a:t>
             </a:r>
           </a:p>
           <a:p>
             <a:r>
-              <a:rPr lang="en-US" dirty="0"/>
+              <a:rPr lang="en-US" dirty="0">
+                <a:solidFill>
+                  <a:schemeClr val="accent1"/>
+                </a:solidFill>
+              </a:rPr>
               <a:t>This makes your class testable.</a:t>
+            </a:r>
+          </a:p>
+          <a:p>
+            <a:r>
+              <a:rPr lang="en-US" dirty="0">
+                <a:solidFill>
+                  <a:schemeClr val="accent3"/>
+                </a:solidFill>
+              </a:rPr>
+              <a:t>Note: testability is often a motivation for improving design</a:t>
             </a:r>
           </a:p>
         </p:txBody>
@@ -4642,8 +4718,17 @@
           <a:p>
             <a:r>
               <a:rPr lang="en-US" dirty="0"/>
-              <a:t>Mocks and Stubs</a:t>
-            </a:r>
+              <a:t>Mocks and Stubs: </a:t>
+            </a:r>
+            <a:r>
+              <a:rPr lang="en-US" dirty="0">
+                <a:solidFill>
+                  <a:srgbClr val="FF0000"/>
+                </a:solidFill>
+              </a:rPr>
+              <a:t>The Problem</a:t>
+            </a:r>
+            <a:endParaRPr lang="en-US" dirty="0"/>
           </a:p>
         </p:txBody>
       </p:sp>
@@ -4671,47 +4756,56 @@
         </p:spPr>
         <p:txBody>
           <a:bodyPr>
-            <a:normAutofit fontScale="92500" lnSpcReduction="10000"/>
+            <a:normAutofit fontScale="92500" lnSpcReduction="20000"/>
           </a:bodyPr>
           <a:lstStyle/>
           <a:p>
             <a:r>
-              <a:rPr lang="en-US" dirty="0"/>
-              <a:t>The Problem</a:t>
-            </a:r>
-          </a:p>
-          <a:p>
-            <a:pPr lvl="1"/>
-            <a:r>
-              <a:rPr lang="en-US" dirty="0"/>
-              <a:t>Testing requires running a class in an isolated environment.</a:t>
-            </a:r>
-          </a:p>
-          <a:p>
-            <a:pPr lvl="1"/>
-            <a:r>
-              <a:rPr lang="en-US" dirty="0"/>
+              <a:rPr lang="en-US" dirty="0">
+                <a:solidFill>
+                  <a:schemeClr val="accent1"/>
+                </a:solidFill>
+              </a:rPr>
+              <a:t>Testing requires the ability to run a class in an isolated environment.</a:t>
+            </a:r>
+          </a:p>
+          <a:p>
+            <a:r>
+              <a:rPr lang="en-US" dirty="0">
+                <a:solidFill>
+                  <a:schemeClr val="accent1"/>
+                </a:solidFill>
+              </a:rPr>
               <a:t>This requires separation between the class and its environment.</a:t>
             </a:r>
           </a:p>
           <a:p>
-            <a:pPr lvl="1"/>
-            <a:r>
-              <a:rPr lang="en-US" dirty="0"/>
+            <a:r>
+              <a:rPr lang="en-US" dirty="0">
+                <a:solidFill>
+                  <a:schemeClr val="accent1"/>
+                </a:solidFill>
+              </a:rPr>
               <a:t>But if the class is coupled with databases, files, and other classes, this is very difficult. </a:t>
             </a:r>
           </a:p>
           <a:p>
-            <a:pPr lvl="1"/>
-            <a:r>
-              <a:rPr lang="en-US" dirty="0"/>
+            <a:r>
+              <a:rPr lang="en-US" dirty="0">
+                <a:solidFill>
+                  <a:schemeClr val="accent1"/>
+                </a:solidFill>
+              </a:rPr>
               <a:t>As a result, you need to set up all the dependencies in order to test the class.</a:t>
             </a:r>
           </a:p>
           <a:p>
-            <a:pPr lvl="1"/>
-            <a:r>
-              <a:rPr lang="en-US" dirty="0"/>
+            <a:r>
+              <a:rPr lang="en-US" dirty="0">
+                <a:solidFill>
+                  <a:schemeClr val="accent1"/>
+                </a:solidFill>
+              </a:rPr>
               <a:t>Apart from the setup complexity it also makes the tests run slowly. </a:t>
             </a:r>
           </a:p>
@@ -4783,8 +4877,17 @@
           <a:p>
             <a:r>
               <a:rPr lang="en-US" dirty="0"/>
-              <a:t>Mocks and Stubs</a:t>
-            </a:r>
+              <a:t>Mocks and Stubs: </a:t>
+            </a:r>
+            <a:r>
+              <a:rPr lang="en-US" dirty="0">
+                <a:solidFill>
+                  <a:schemeClr val="accent3"/>
+                </a:solidFill>
+              </a:rPr>
+              <a:t>The Solution</a:t>
+            </a:r>
+            <a:endParaRPr lang="en-US" dirty="0"/>
           </a:p>
         </p:txBody>
       </p:sp>
@@ -4812,46 +4915,57 @@
         </p:spPr>
         <p:txBody>
           <a:bodyPr>
-            <a:normAutofit/>
+            <a:normAutofit fontScale="92500"/>
           </a:bodyPr>
           <a:lstStyle/>
           <a:p>
             <a:r>
-              <a:rPr lang="en-US" dirty="0"/>
-              <a:t>The Solution: Stubs</a:t>
+              <a:rPr lang="en-US" dirty="0">
+                <a:solidFill>
+                  <a:schemeClr val="accent1"/>
+                </a:solidFill>
+              </a:rPr>
+              <a:t>If the dependencies are interfaces, you can supply a special implementation that does the minimum required to allow the test to pass.</a:t>
+            </a:r>
+          </a:p>
+          <a:p>
+            <a:r>
+              <a:rPr lang="en-US" dirty="0">
+                <a:solidFill>
+                  <a:schemeClr val="accent1"/>
+                </a:solidFill>
+              </a:rPr>
+              <a:t>This is ideal for dependencies that do not change the behavior of the class (a logger, for instance).</a:t>
+            </a:r>
+          </a:p>
+          <a:p>
+            <a:r>
+              <a:rPr lang="en-US" dirty="0">
+                <a:solidFill>
+                  <a:schemeClr val="accent1"/>
+                </a:solidFill>
+              </a:rPr>
+              <a:t>These are stubs:</a:t>
             </a:r>
           </a:p>
           <a:p>
             <a:pPr lvl="1"/>
             <a:r>
-              <a:rPr lang="en-US" dirty="0"/>
-              <a:t>If the dependencies are interfaces, you can supply a special implementation that does the minimum required to allow the test to pass.</a:t>
+              <a:rPr lang="en-US" dirty="0">
+                <a:solidFill>
+                  <a:schemeClr val="accent1"/>
+                </a:solidFill>
+              </a:rPr>
+              <a:t>A stub is a minimal implementation of an interface that is sufficient to allow a class to run in a test environment.</a:t>
             </a:r>
           </a:p>
           <a:p>
             <a:pPr lvl="1"/>
-            <a:r>
-              <a:rPr lang="en-US" dirty="0"/>
-              <a:t>This is ideal for dependencies that do not change the behavior of the class (a logger, for instance).</a:t>
-            </a:r>
-          </a:p>
-          <a:p>
-            <a:pPr lvl="1"/>
-            <a:r>
-              <a:rPr lang="en-US" dirty="0"/>
-              <a:t>These are stubs.</a:t>
-            </a:r>
-          </a:p>
-          <a:p>
-            <a:pPr lvl="1"/>
-            <a:r>
-              <a:rPr lang="en-US" dirty="0"/>
-              <a:t>A stub is a minimal implementation of an interface to allow a class to run in a test environment.</a:t>
-            </a:r>
-          </a:p>
-          <a:p>
-            <a:pPr lvl="1"/>
-            <a:endParaRPr lang="en-US" dirty="0"/>
+            <a:endParaRPr lang="en-US" dirty="0">
+              <a:solidFill>
+                <a:schemeClr val="accent1"/>
+              </a:solidFill>
+            </a:endParaRPr>
           </a:p>
         </p:txBody>
       </p:sp>
@@ -4921,7 +5035,15 @@
           <a:p>
             <a:r>
               <a:rPr lang="en-US" dirty="0"/>
-              <a:t>Mocks and Stubs</a:t>
+              <a:t>Mocks and Stubs: </a:t>
+            </a:r>
+            <a:r>
+              <a:rPr lang="en-US" dirty="0">
+                <a:solidFill>
+                  <a:srgbClr val="FF0000"/>
+                </a:solidFill>
+              </a:rPr>
+              <a:t>Another Problem</a:t>
             </a:r>
           </a:p>
         </p:txBody>
@@ -4950,41 +5072,57 @@
         </p:spPr>
         <p:txBody>
           <a:bodyPr>
-            <a:normAutofit/>
+            <a:normAutofit fontScale="92500" lnSpcReduction="10000"/>
           </a:bodyPr>
           <a:lstStyle/>
           <a:p>
             <a:r>
               <a:rPr lang="en-US" dirty="0"/>
-              <a:t>The Problem</a:t>
+              <a:t>Tests call the public API of a class and verify functional behavior.</a:t>
+            </a:r>
+          </a:p>
+          <a:p>
+            <a:r>
+              <a:rPr lang="en-US" dirty="0"/>
+              <a:t>But how do we test the private methods? Do we need to?</a:t>
+            </a:r>
+          </a:p>
+          <a:p>
+            <a:r>
+              <a:rPr lang="en-US" dirty="0"/>
+              <a:t>One solution:</a:t>
             </a:r>
           </a:p>
           <a:p>
             <a:pPr lvl="1"/>
             <a:r>
               <a:rPr lang="en-US" dirty="0"/>
-              <a:t>Stubs allow us to call the public API of the class in a test environment.</a:t>
+              <a:t>Extract a class in which the private methods become the public methods of the extracted class. These methods can be tested.</a:t>
             </a:r>
           </a:p>
           <a:p>
             <a:pPr lvl="1"/>
             <a:r>
               <a:rPr lang="en-US" dirty="0"/>
-              <a:t>But what if we want to test the private methods?</a:t>
-            </a:r>
-          </a:p>
-          <a:p>
-            <a:pPr lvl="1"/>
+              <a:t>Note: Tests are again a motivation to improve design</a:t>
+            </a:r>
+          </a:p>
+          <a:p>
             <a:r>
               <a:rPr lang="en-US" dirty="0"/>
-              <a:t>One solution is to extract a class in which the private methods become the public methods of the extracted class. These methods can be tested.</a:t>
-            </a:r>
-          </a:p>
-          <a:p>
-            <a:pPr lvl="1"/>
+              <a:t>Another solution is to write </a:t>
+            </a:r>
+            <a:r>
+              <a:rPr lang="en-US" dirty="0">
+                <a:solidFill>
+                  <a:schemeClr val="accent3"/>
+                </a:solidFill>
+              </a:rPr>
+              <a:t>mocks</a:t>
+            </a:r>
             <a:r>
               <a:rPr lang="en-US" dirty="0"/>
-              <a:t>Another solution is to write mocks.</a:t>
+              <a:t>.</a:t>
             </a:r>
           </a:p>
           <a:p>
@@ -5093,20 +5231,42 @@
           <a:lstStyle/>
           <a:p>
             <a:r>
-              <a:rPr lang="en-US" dirty="0"/>
+              <a:rPr lang="en-US" dirty="0">
+                <a:solidFill>
+                  <a:schemeClr val="accent1"/>
+                </a:solidFill>
+              </a:rPr>
               <a:t>A mock is an implementation of a dependency interface that maintains a state.</a:t>
             </a:r>
           </a:p>
           <a:p>
             <a:r>
-              <a:rPr lang="en-US" dirty="0"/>
+              <a:rPr lang="en-US" dirty="0">
+                <a:solidFill>
+                  <a:schemeClr val="accent1"/>
+                </a:solidFill>
+              </a:rPr>
               <a:t>It can record arguments that are passed to its methods, react in different ways to those methods.</a:t>
             </a:r>
           </a:p>
           <a:p>
             <a:r>
-              <a:rPr lang="en-US" dirty="0"/>
-              <a:t>Moreover, it is useful to program a mock to exercise certain behaviors and to query it after the test to verify how it was invoked by the test.</a:t>
+              <a:rPr lang="en-US" dirty="0">
+                <a:solidFill>
+                  <a:schemeClr val="accent1"/>
+                </a:solidFill>
+              </a:rPr>
+              <a:t>Moreover, it is useful to program a mock to exercise certain behaviors. (Error injection)</a:t>
+            </a:r>
+          </a:p>
+          <a:p>
+            <a:r>
+              <a:rPr lang="en-US" dirty="0">
+                <a:solidFill>
+                  <a:schemeClr val="accent1"/>
+                </a:solidFill>
+              </a:rPr>
+              <a:t>And we can query it after the test to verify how it was invoked during the test.</a:t>
             </a:r>
           </a:p>
         </p:txBody>
@@ -5211,39 +5371,74 @@
           <a:lstStyle/>
           <a:p>
             <a:r>
-              <a:rPr lang="en-US" dirty="0"/>
+              <a:rPr lang="en-US" dirty="0">
+                <a:solidFill>
+                  <a:srgbClr val="FF0000"/>
+                </a:solidFill>
+              </a:rPr>
               <a:t>How can I test private methods?</a:t>
             </a:r>
           </a:p>
           <a:p>
             <a:pPr lvl="1"/>
             <a:r>
-              <a:rPr lang="en-US" dirty="0"/>
+              <a:rPr lang="en-US" dirty="0">
+                <a:solidFill>
+                  <a:schemeClr val="accent1"/>
+                </a:solidFill>
+              </a:rPr>
               <a:t>Use a mock or extract a class (discussed above)</a:t>
             </a:r>
           </a:p>
           <a:p>
             <a:r>
-              <a:rPr lang="en-US" dirty="0"/>
-              <a:t>Methods that use sleep are not fast.</a:t>
+              <a:rPr lang="en-US" dirty="0">
+                <a:solidFill>
+                  <a:srgbClr val="FF0000"/>
+                </a:solidFill>
+              </a:rPr>
+              <a:t>Methods that call sleep are not fast.</a:t>
             </a:r>
           </a:p>
           <a:p>
             <a:pPr lvl="1"/>
             <a:r>
-              <a:rPr lang="en-US" dirty="0"/>
+              <a:rPr lang="en-US" dirty="0">
+                <a:solidFill>
+                  <a:schemeClr val="accent1"/>
+                </a:solidFill>
+              </a:rPr>
+              <a:t>Avoid using sleep where possible</a:t>
+            </a:r>
+          </a:p>
+          <a:p>
+            <a:pPr lvl="1"/>
+            <a:r>
+              <a:rPr lang="en-US" dirty="0">
+                <a:solidFill>
+                  <a:schemeClr val="accent1"/>
+                </a:solidFill>
+              </a:rPr>
               <a:t>Stub the sleep function to do nothing</a:t>
             </a:r>
           </a:p>
           <a:p>
             <a:pPr lvl="1"/>
             <a:r>
-              <a:rPr lang="en-US" dirty="0"/>
-              <a:t>Or increment a time variable, if you need to know</a:t>
-            </a:r>
-          </a:p>
-          <a:p>
-            <a:endParaRPr lang="en-US" dirty="0"/>
+              <a:rPr lang="en-US" dirty="0">
+                <a:solidFill>
+                  <a:schemeClr val="accent1"/>
+                </a:solidFill>
+              </a:rPr>
+              <a:t>Or increment a time variable, if you need to know the time elsewhere</a:t>
+            </a:r>
+          </a:p>
+          <a:p>
+            <a:endParaRPr lang="en-US" dirty="0">
+              <a:solidFill>
+                <a:schemeClr val="accent1"/>
+              </a:solidFill>
+            </a:endParaRPr>
           </a:p>
         </p:txBody>
       </p:sp>
@@ -5347,49 +5542,80 @@
           <a:lstStyle/>
           <a:p>
             <a:r>
-              <a:rPr lang="en-US" dirty="0"/>
+              <a:rPr lang="en-US" dirty="0">
+                <a:solidFill>
+                  <a:srgbClr val="FF0000"/>
+                </a:solidFill>
+              </a:rPr>
               <a:t>Methods that depend on time may not be repeatable.</a:t>
             </a:r>
           </a:p>
           <a:p>
             <a:pPr lvl="1"/>
             <a:r>
-              <a:rPr lang="en-US" dirty="0"/>
+              <a:rPr lang="en-US" dirty="0">
+                <a:solidFill>
+                  <a:schemeClr val="accent1"/>
+                </a:solidFill>
+              </a:rPr>
               <a:t>Try not to depend on time</a:t>
             </a:r>
           </a:p>
           <a:p>
             <a:pPr lvl="1"/>
             <a:r>
-              <a:rPr lang="en-US" dirty="0"/>
+              <a:rPr lang="en-US" dirty="0">
+                <a:solidFill>
+                  <a:schemeClr val="accent1"/>
+                </a:solidFill>
+              </a:rPr>
               <a:t>Instead of requesting the time, accept time as a parameter. Push the problem up in the call stack.</a:t>
             </a:r>
           </a:p>
           <a:p>
             <a:pPr lvl="1"/>
             <a:r>
-              <a:rPr lang="en-US" dirty="0"/>
+              <a:rPr lang="en-US" dirty="0">
+                <a:solidFill>
+                  <a:schemeClr val="accent1"/>
+                </a:solidFill>
+              </a:rPr>
               <a:t>If you must request the time, provide the clock as an interface and mock it.</a:t>
             </a:r>
           </a:p>
           <a:p>
             <a:pPr lvl="1"/>
             <a:r>
-              <a:rPr lang="en-US" dirty="0"/>
+              <a:rPr lang="en-US" dirty="0">
+                <a:solidFill>
+                  <a:schemeClr val="accent1"/>
+                </a:solidFill>
+              </a:rPr>
               <a:t>You may want to define a mock that provides immediate responses to sleep(), </a:t>
             </a:r>
             <a:r>
-              <a:rPr lang="en-US" dirty="0" err="1"/>
+              <a:rPr lang="en-US" dirty="0" err="1">
+                <a:solidFill>
+                  <a:schemeClr val="accent1"/>
+                </a:solidFill>
+              </a:rPr>
               <a:t>gettime</a:t>
             </a:r>
             <a:r>
-              <a:rPr lang="en-US"/>
+              <a:rPr lang="en-US" dirty="0">
+                <a:solidFill>
+                  <a:schemeClr val="accent1"/>
+                </a:solidFill>
+              </a:rPr>
               <a:t>(), wait() and so on.</a:t>
             </a:r>
-            <a:endParaRPr lang="en-US" dirty="0"/>
-          </a:p>
-          <a:p>
-            <a:endParaRPr lang="en-US" dirty="0"/>
+          </a:p>
+          <a:p>
+            <a:endParaRPr lang="en-US" dirty="0">
+              <a:solidFill>
+                <a:schemeClr val="accent1"/>
+              </a:solidFill>
+            </a:endParaRPr>
           </a:p>
         </p:txBody>
       </p:sp>
@@ -5616,7 +5842,11 @@
           <a:lstStyle/>
           <a:p>
             <a:r>
-              <a:rPr lang="en-US" dirty="0"/>
+              <a:rPr lang="en-US" dirty="0">
+                <a:solidFill>
+                  <a:srgbClr val="FF0000"/>
+                </a:solidFill>
+              </a:rPr>
               <a:t>Classes that run concurrent tasks may not be repeatable.</a:t>
             </a:r>
           </a:p>
@@ -5631,14 +5861,14 @@
             <a:pPr lvl="1"/>
             <a:r>
               <a:rPr lang="en-US" dirty="0"/>
-              <a:t>Push concurrency as high up as possible in the call stack, keeping logic single threaded and repeatable. </a:t>
+              <a:t>Push concurrency as high up as possible in the call stack, keeping the core logic single threaded and repeatable. </a:t>
             </a:r>
           </a:p>
           <a:p>
             <a:pPr lvl="1"/>
             <a:r>
               <a:rPr lang="en-US" dirty="0"/>
-              <a:t>Focus on the non-current parts and test different possible orderings that are repeatable.</a:t>
+              <a:t>Focus on the non-concurrent parts and test different possible orderings that are repeatable.</a:t>
             </a:r>
           </a:p>
           <a:p>
@@ -5650,6 +5880,674 @@
     <p:extLst>
       <p:ext uri="{BB962C8B-B14F-4D97-AF65-F5344CB8AC3E}">
         <p14:creationId xmlns:p14="http://schemas.microsoft.com/office/powerpoint/2010/main" val="1698926517"/>
+      </p:ext>
+    </p:extLst>
+  </p:cSld>
+  <p:clrMapOvr>
+    <a:masterClrMapping/>
+  </p:clrMapOvr>
+</p:sld>
+</file>
+
+<file path=ppt/slides/slide21.xml><?xml version="1.0" encoding="utf-8"?>
+<p:sld xmlns:a="http://schemas.openxmlformats.org/drawingml/2006/main" xmlns:r="http://schemas.openxmlformats.org/officeDocument/2006/relationships" xmlns:p="http://schemas.openxmlformats.org/presentationml/2006/main">
+  <p:cSld>
+    <p:spTree>
+      <p:nvGrpSpPr>
+        <p:cNvPr id="1" name="">
+          <a:extLst>
+            <a:ext uri="{FF2B5EF4-FFF2-40B4-BE49-F238E27FC236}">
+              <a16:creationId xmlns:a16="http://schemas.microsoft.com/office/drawing/2014/main" id="{38C5C1C6-6FA5-15EF-2028-EDAF7BB298A3}"/>
+            </a:ext>
+          </a:extLst>
+        </p:cNvPr>
+        <p:cNvGrpSpPr/>
+        <p:nvPr/>
+      </p:nvGrpSpPr>
+      <p:grpSpPr>
+        <a:xfrm>
+          <a:off x="0" y="0"/>
+          <a:ext cx="0" cy="0"/>
+          <a:chOff x="0" y="0"/>
+          <a:chExt cx="0" cy="0"/>
+        </a:xfrm>
+      </p:grpSpPr>
+      <p:sp>
+        <p:nvSpPr>
+          <p:cNvPr id="2" name="Title 1">
+            <a:extLst>
+              <a:ext uri="{FF2B5EF4-FFF2-40B4-BE49-F238E27FC236}">
+                <a16:creationId xmlns:a16="http://schemas.microsoft.com/office/drawing/2014/main" id="{56BF9257-CE89-B1E3-7132-FFAC1C920EE9}"/>
+              </a:ext>
+            </a:extLst>
+          </p:cNvPr>
+          <p:cNvSpPr>
+            <a:spLocks noGrp="1"/>
+          </p:cNvSpPr>
+          <p:nvPr>
+            <p:ph type="title"/>
+          </p:nvPr>
+        </p:nvSpPr>
+        <p:spPr>
+          <a:xfrm>
+            <a:off x="457200" y="274638"/>
+            <a:ext cx="8229600" cy="1143000"/>
+          </a:xfrm>
+        </p:spPr>
+        <p:txBody>
+          <a:bodyPr/>
+          <a:lstStyle/>
+          <a:p>
+            <a:r>
+              <a:rPr lang="en-US" dirty="0"/>
+              <a:t>Agenda</a:t>
+            </a:r>
+          </a:p>
+        </p:txBody>
+      </p:sp>
+      <p:sp>
+        <p:nvSpPr>
+          <p:cNvPr id="3" name="Content Placeholder 2">
+            <a:extLst>
+              <a:ext uri="{FF2B5EF4-FFF2-40B4-BE49-F238E27FC236}">
+                <a16:creationId xmlns:a16="http://schemas.microsoft.com/office/drawing/2014/main" id="{FCE5DEF5-0B0C-3608-1E3F-BD64FF94AD3A}"/>
+              </a:ext>
+            </a:extLst>
+          </p:cNvPr>
+          <p:cNvSpPr>
+            <a:spLocks noGrp="1"/>
+          </p:cNvSpPr>
+          <p:nvPr>
+            <p:ph idx="1"/>
+          </p:nvPr>
+        </p:nvSpPr>
+        <p:spPr>
+          <a:xfrm>
+            <a:off x="457200" y="1600200"/>
+            <a:ext cx="8229600" cy="4525963"/>
+          </a:xfrm>
+        </p:spPr>
+        <p:txBody>
+          <a:bodyPr>
+            <a:normAutofit fontScale="92500"/>
+          </a:bodyPr>
+          <a:lstStyle/>
+          <a:p>
+            <a:r>
+              <a:rPr lang="en-US" dirty="0">
+                <a:solidFill>
+                  <a:schemeClr val="accent1"/>
+                </a:solidFill>
+              </a:rPr>
+              <a:t>Why do we need tests?</a:t>
+            </a:r>
+          </a:p>
+          <a:p>
+            <a:r>
+              <a:rPr lang="en-US" dirty="0">
+                <a:solidFill>
+                  <a:schemeClr val="accent1"/>
+                </a:solidFill>
+              </a:rPr>
+              <a:t>What are good tests?</a:t>
+            </a:r>
+          </a:p>
+          <a:p>
+            <a:r>
+              <a:rPr lang="en-US" dirty="0">
+                <a:solidFill>
+                  <a:schemeClr val="accent1"/>
+                </a:solidFill>
+              </a:rPr>
+              <a:t>Types of tests</a:t>
+            </a:r>
+          </a:p>
+          <a:p>
+            <a:r>
+              <a:rPr lang="en-US" dirty="0">
+                <a:solidFill>
+                  <a:schemeClr val="accent1"/>
+                </a:solidFill>
+              </a:rPr>
+              <a:t>How do we make code testable?</a:t>
+            </a:r>
+          </a:p>
+          <a:p>
+            <a:r>
+              <a:rPr lang="en-US" dirty="0">
+                <a:solidFill>
+                  <a:schemeClr val="accent1"/>
+                </a:solidFill>
+              </a:rPr>
+              <a:t>Introducing </a:t>
+            </a:r>
+            <a:r>
+              <a:rPr lang="en-US" dirty="0" err="1">
+                <a:solidFill>
+                  <a:schemeClr val="accent1"/>
+                </a:solidFill>
+              </a:rPr>
+              <a:t>GoogleTest</a:t>
+            </a:r>
+            <a:endParaRPr lang="en-US" dirty="0">
+              <a:solidFill>
+                <a:schemeClr val="accent1"/>
+              </a:solidFill>
+            </a:endParaRPr>
+          </a:p>
+          <a:p>
+            <a:r>
+              <a:rPr lang="en-US" dirty="0">
+                <a:solidFill>
+                  <a:schemeClr val="accent1"/>
+                </a:solidFill>
+              </a:rPr>
+              <a:t>Dependency Injection</a:t>
+            </a:r>
+          </a:p>
+          <a:p>
+            <a:r>
+              <a:rPr lang="en-US" dirty="0">
+                <a:solidFill>
+                  <a:schemeClr val="accent1"/>
+                </a:solidFill>
+              </a:rPr>
+              <a:t>Mocks and stubs</a:t>
+            </a:r>
+          </a:p>
+          <a:p>
+            <a:r>
+              <a:rPr lang="en-US" dirty="0">
+                <a:solidFill>
+                  <a:schemeClr val="accent1"/>
+                </a:solidFill>
+              </a:rPr>
+              <a:t>Testability challenges and the options you have</a:t>
+            </a:r>
+          </a:p>
+        </p:txBody>
+      </p:sp>
+    </p:spTree>
+    <p:extLst>
+      <p:ext uri="{BB962C8B-B14F-4D97-AF65-F5344CB8AC3E}">
+        <p14:creationId xmlns:p14="http://schemas.microsoft.com/office/powerpoint/2010/main" val="3132442083"/>
+      </p:ext>
+    </p:extLst>
+  </p:cSld>
+  <p:clrMapOvr>
+    <a:masterClrMapping/>
+  </p:clrMapOvr>
+</p:sld>
+</file>
+
+<file path=ppt/slides/slide22.xml><?xml version="1.0" encoding="utf-8"?>
+<p:sld xmlns:a="http://schemas.openxmlformats.org/drawingml/2006/main" xmlns:r="http://schemas.openxmlformats.org/officeDocument/2006/relationships" xmlns:p="http://schemas.openxmlformats.org/presentationml/2006/main">
+  <p:cSld>
+    <p:spTree>
+      <p:nvGrpSpPr>
+        <p:cNvPr id="1" name="">
+          <a:extLst>
+            <a:ext uri="{FF2B5EF4-FFF2-40B4-BE49-F238E27FC236}">
+              <a16:creationId xmlns:a16="http://schemas.microsoft.com/office/drawing/2014/main" id="{F6B7AC48-FB2D-B87F-AF46-FBC899DC9447}"/>
+            </a:ext>
+          </a:extLst>
+        </p:cNvPr>
+        <p:cNvGrpSpPr/>
+        <p:nvPr/>
+      </p:nvGrpSpPr>
+      <p:grpSpPr>
+        <a:xfrm>
+          <a:off x="0" y="0"/>
+          <a:ext cx="0" cy="0"/>
+          <a:chOff x="0" y="0"/>
+          <a:chExt cx="0" cy="0"/>
+        </a:xfrm>
+      </p:grpSpPr>
+      <p:sp>
+        <p:nvSpPr>
+          <p:cNvPr id="2" name="Title 1">
+            <a:extLst>
+              <a:ext uri="{FF2B5EF4-FFF2-40B4-BE49-F238E27FC236}">
+                <a16:creationId xmlns:a16="http://schemas.microsoft.com/office/drawing/2014/main" id="{C776F0FB-FB6D-3B26-7191-85BCD1CA6C7D}"/>
+              </a:ext>
+            </a:extLst>
+          </p:cNvPr>
+          <p:cNvSpPr>
+            <a:spLocks noGrp="1"/>
+          </p:cNvSpPr>
+          <p:nvPr>
+            <p:ph type="title"/>
+          </p:nvPr>
+        </p:nvSpPr>
+        <p:spPr>
+          <a:xfrm>
+            <a:off x="457200" y="274638"/>
+            <a:ext cx="8229600" cy="1143000"/>
+          </a:xfrm>
+        </p:spPr>
+        <p:txBody>
+          <a:bodyPr/>
+          <a:lstStyle/>
+          <a:p>
+            <a:r>
+              <a:rPr lang="en-US" dirty="0"/>
+              <a:t>Key Takeaways</a:t>
+            </a:r>
+          </a:p>
+        </p:txBody>
+      </p:sp>
+      <p:graphicFrame>
+        <p:nvGraphicFramePr>
+          <p:cNvPr id="11" name="Content Placeholder 10">
+            <a:extLst>
+              <a:ext uri="{FF2B5EF4-FFF2-40B4-BE49-F238E27FC236}">
+                <a16:creationId xmlns:a16="http://schemas.microsoft.com/office/drawing/2014/main" id="{BE1D75E1-DE84-FCB3-B0E4-7FA7DB4710C9}"/>
+              </a:ext>
+            </a:extLst>
+          </p:cNvPr>
+          <p:cNvGraphicFramePr>
+            <a:graphicFrameLocks noGrp="1"/>
+          </p:cNvGraphicFramePr>
+          <p:nvPr>
+            <p:ph idx="1"/>
+            <p:extLst>
+              <p:ext uri="{D42A27DB-BD31-4B8C-83A1-F6EECF244321}">
+                <p14:modId xmlns:p14="http://schemas.microsoft.com/office/powerpoint/2010/main" val="2004486387"/>
+              </p:ext>
+            </p:extLst>
+          </p:nvPr>
+        </p:nvGraphicFramePr>
+        <p:xfrm>
+          <a:off x="457200" y="1600200"/>
+          <a:ext cx="8229600" cy="4754880"/>
+        </p:xfrm>
+        <a:graphic>
+          <a:graphicData uri="http://schemas.openxmlformats.org/drawingml/2006/table">
+            <a:tbl>
+              <a:tblPr bandRow="1">
+                <a:tableStyleId>{46F890A9-2807-4EBB-B81D-B2AA78EC7F39}</a:tableStyleId>
+              </a:tblPr>
+              <a:tblGrid>
+                <a:gridCol w="2667000">
+                  <a:extLst>
+                    <a:ext uri="{9D8B030D-6E8A-4147-A177-3AD203B41FA5}">
+                      <a16:colId xmlns:a16="http://schemas.microsoft.com/office/drawing/2014/main" val="2828882500"/>
+                    </a:ext>
+                  </a:extLst>
+                </a:gridCol>
+                <a:gridCol w="5562600">
+                  <a:extLst>
+                    <a:ext uri="{9D8B030D-6E8A-4147-A177-3AD203B41FA5}">
+                      <a16:colId xmlns:a16="http://schemas.microsoft.com/office/drawing/2014/main" val="2512347793"/>
+                    </a:ext>
+                  </a:extLst>
+                </a:gridCol>
+              </a:tblGrid>
+              <a:tr h="640080">
+                <a:tc>
+                  <a:txBody>
+                    <a:bodyPr/>
+                    <a:lstStyle/>
+                    <a:p>
+                      <a:pPr lvl="0"/>
+                      <a:r>
+                        <a:rPr lang="en-US" sz="2400" kern="1200" dirty="0">
+                          <a:solidFill>
+                            <a:schemeClr val="tx2"/>
+                          </a:solidFill>
+                          <a:latin typeface="+mn-lt"/>
+                          <a:ea typeface="+mn-ea"/>
+                          <a:cs typeface="+mn-cs"/>
+                        </a:rPr>
+                        <a:t>Why test?</a:t>
+                      </a:r>
+                    </a:p>
+                  </a:txBody>
+                  <a:tcPr anchor="ctr"/>
+                </a:tc>
+                <a:tc>
+                  <a:txBody>
+                    <a:bodyPr/>
+                    <a:lstStyle/>
+                    <a:p>
+                      <a:r>
+                        <a:rPr lang="en-US" sz="2400" kern="1200" dirty="0">
+                          <a:solidFill>
+                            <a:schemeClr val="tx2"/>
+                          </a:solidFill>
+                          <a:latin typeface="+mn-lt"/>
+                          <a:ea typeface="+mn-ea"/>
+                          <a:cs typeface="+mn-cs"/>
+                        </a:rPr>
+                        <a:t>Verification, debugging, documentation and design</a:t>
+                      </a:r>
+                    </a:p>
+                  </a:txBody>
+                  <a:tcPr anchor="ctr"/>
+                </a:tc>
+                <a:extLst>
+                  <a:ext uri="{0D108BD9-81ED-4DB2-BD59-A6C34878D82A}">
+                    <a16:rowId xmlns:a16="http://schemas.microsoft.com/office/drawing/2014/main" val="4225302427"/>
+                  </a:ext>
+                </a:extLst>
+              </a:tr>
+              <a:tr h="640080">
+                <a:tc>
+                  <a:txBody>
+                    <a:bodyPr/>
+                    <a:lstStyle/>
+                    <a:p>
+                      <a:pPr lvl="0"/>
+                      <a:r>
+                        <a:rPr lang="en-US" sz="2400" kern="1200" dirty="0">
+                          <a:solidFill>
+                            <a:schemeClr val="tx2"/>
+                          </a:solidFill>
+                          <a:latin typeface="+mn-lt"/>
+                          <a:ea typeface="+mn-ea"/>
+                          <a:cs typeface="+mn-cs"/>
+                        </a:rPr>
+                        <a:t>Which framework?</a:t>
+                      </a:r>
+                    </a:p>
+                  </a:txBody>
+                  <a:tcPr anchor="ctr"/>
+                </a:tc>
+                <a:tc>
+                  <a:txBody>
+                    <a:bodyPr/>
+                    <a:lstStyle/>
+                    <a:p>
+                      <a:r>
+                        <a:rPr lang="en-US" sz="2400" kern="1200" dirty="0">
+                          <a:solidFill>
+                            <a:schemeClr val="tx2"/>
+                          </a:solidFill>
+                          <a:latin typeface="+mn-lt"/>
+                          <a:ea typeface="+mn-ea"/>
+                          <a:cs typeface="+mn-cs"/>
+                        </a:rPr>
+                        <a:t>Choose a framework that does not force you to change your code (e.g. </a:t>
+                      </a:r>
+                      <a:r>
+                        <a:rPr lang="en-US" sz="2400" kern="1200" dirty="0" err="1">
+                          <a:solidFill>
+                            <a:schemeClr val="tx2"/>
+                          </a:solidFill>
+                          <a:latin typeface="+mn-lt"/>
+                          <a:ea typeface="+mn-ea"/>
+                          <a:cs typeface="+mn-cs"/>
+                        </a:rPr>
+                        <a:t>gtest</a:t>
+                      </a:r>
+                      <a:r>
+                        <a:rPr lang="en-US" sz="2400" kern="1200" dirty="0">
+                          <a:solidFill>
+                            <a:schemeClr val="tx2"/>
+                          </a:solidFill>
+                          <a:latin typeface="+mn-lt"/>
+                          <a:ea typeface="+mn-ea"/>
+                          <a:cs typeface="+mn-cs"/>
+                        </a:rPr>
+                        <a:t>)</a:t>
+                      </a:r>
+                    </a:p>
+                  </a:txBody>
+                  <a:tcPr anchor="ctr"/>
+                </a:tc>
+                <a:extLst>
+                  <a:ext uri="{0D108BD9-81ED-4DB2-BD59-A6C34878D82A}">
+                    <a16:rowId xmlns:a16="http://schemas.microsoft.com/office/drawing/2014/main" val="471420756"/>
+                  </a:ext>
+                </a:extLst>
+              </a:tr>
+              <a:tr h="640080">
+                <a:tc>
+                  <a:txBody>
+                    <a:bodyPr/>
+                    <a:lstStyle/>
+                    <a:p>
+                      <a:pPr lvl="0"/>
+                      <a:r>
+                        <a:rPr lang="en-US" sz="2400" kern="1200" dirty="0">
+                          <a:solidFill>
+                            <a:schemeClr val="tx2"/>
+                          </a:solidFill>
+                          <a:latin typeface="+mn-lt"/>
+                          <a:ea typeface="+mn-ea"/>
+                          <a:cs typeface="+mn-cs"/>
+                        </a:rPr>
+                        <a:t>Testability</a:t>
+                      </a:r>
+                    </a:p>
+                  </a:txBody>
+                  <a:tcPr anchor="ctr"/>
+                </a:tc>
+                <a:tc>
+                  <a:txBody>
+                    <a:bodyPr/>
+                    <a:lstStyle/>
+                    <a:p>
+                      <a:r>
+                        <a:rPr lang="en-US" sz="2400" kern="1200" dirty="0">
+                          <a:solidFill>
+                            <a:schemeClr val="tx2"/>
+                          </a:solidFill>
+                          <a:latin typeface="+mn-lt"/>
+                          <a:ea typeface="+mn-ea"/>
+                          <a:cs typeface="+mn-cs"/>
+                        </a:rPr>
+                        <a:t>Use good design principles and use dependency injection, mocks and stubs</a:t>
+                      </a:r>
+                    </a:p>
+                  </a:txBody>
+                  <a:tcPr anchor="ctr"/>
+                </a:tc>
+                <a:extLst>
+                  <a:ext uri="{0D108BD9-81ED-4DB2-BD59-A6C34878D82A}">
+                    <a16:rowId xmlns:a16="http://schemas.microsoft.com/office/drawing/2014/main" val="1393594050"/>
+                  </a:ext>
+                </a:extLst>
+              </a:tr>
+              <a:tr h="640080">
+                <a:tc>
+                  <a:txBody>
+                    <a:bodyPr/>
+                    <a:lstStyle/>
+                    <a:p>
+                      <a:pPr lvl="0"/>
+                      <a:r>
+                        <a:rPr lang="en-US" sz="2400" kern="1200" dirty="0">
+                          <a:solidFill>
+                            <a:schemeClr val="tx2"/>
+                          </a:solidFill>
+                          <a:latin typeface="+mn-lt"/>
+                          <a:ea typeface="+mn-ea"/>
+                          <a:cs typeface="+mn-cs"/>
+                        </a:rPr>
+                        <a:t>Private methods?</a:t>
+                      </a:r>
+                    </a:p>
+                  </a:txBody>
+                  <a:tcPr anchor="ctr"/>
+                </a:tc>
+                <a:tc>
+                  <a:txBody>
+                    <a:bodyPr/>
+                    <a:lstStyle/>
+                    <a:p>
+                      <a:r>
+                        <a:rPr lang="en-US" sz="2400" kern="1200" dirty="0">
+                          <a:solidFill>
+                            <a:schemeClr val="tx2"/>
+                          </a:solidFill>
+                          <a:latin typeface="+mn-lt"/>
+                          <a:ea typeface="+mn-ea"/>
+                          <a:cs typeface="+mn-cs"/>
+                        </a:rPr>
+                        <a:t>Must be tested too. Use class extraction to make them public or use mocks.</a:t>
+                      </a:r>
+                    </a:p>
+                  </a:txBody>
+                  <a:tcPr anchor="ctr"/>
+                </a:tc>
+                <a:extLst>
+                  <a:ext uri="{0D108BD9-81ED-4DB2-BD59-A6C34878D82A}">
+                    <a16:rowId xmlns:a16="http://schemas.microsoft.com/office/drawing/2014/main" val="1260263298"/>
+                  </a:ext>
+                </a:extLst>
+              </a:tr>
+              <a:tr h="640080">
+                <a:tc>
+                  <a:txBody>
+                    <a:bodyPr/>
+                    <a:lstStyle/>
+                    <a:p>
+                      <a:pPr marL="0" marR="0" lvl="0" indent="0" algn="l" defTabSz="914400" rtl="0" eaLnBrk="1" fontAlgn="auto" latinLnBrk="0" hangingPunct="1">
+                        <a:lnSpc>
+                          <a:spcPct val="100000"/>
+                        </a:lnSpc>
+                        <a:spcBef>
+                          <a:spcPts val="0"/>
+                        </a:spcBef>
+                        <a:spcAft>
+                          <a:spcPts val="0"/>
+                        </a:spcAft>
+                        <a:buClrTx/>
+                        <a:buSzTx/>
+                        <a:buFontTx/>
+                        <a:buNone/>
+                        <a:tabLst/>
+                        <a:defRPr/>
+                      </a:pPr>
+                      <a:r>
+                        <a:rPr lang="en-US" sz="2400" kern="1200" dirty="0">
+                          <a:solidFill>
+                            <a:schemeClr val="tx2"/>
+                          </a:solidFill>
+                          <a:latin typeface="+mn-lt"/>
+                          <a:ea typeface="+mn-ea"/>
+                          <a:cs typeface="+mn-cs"/>
+                        </a:rPr>
+                        <a:t>Good tests</a:t>
+                      </a:r>
+                    </a:p>
+                  </a:txBody>
+                  <a:tcPr anchor="ctr"/>
+                </a:tc>
+                <a:tc>
+                  <a:txBody>
+                    <a:bodyPr/>
+                    <a:lstStyle/>
+                    <a:p>
+                      <a:r>
+                        <a:rPr lang="en-US" sz="2400" kern="1200" dirty="0">
+                          <a:solidFill>
+                            <a:schemeClr val="tx2"/>
+                          </a:solidFill>
+                          <a:latin typeface="+mn-lt"/>
+                          <a:ea typeface="+mn-ea"/>
+                          <a:cs typeface="+mn-cs"/>
+                        </a:rPr>
+                        <a:t>Should be F.I.R.S.T.</a:t>
+                      </a:r>
+                      <a:br>
+                        <a:rPr lang="en-US" sz="2400" kern="1200" dirty="0">
+                          <a:solidFill>
+                            <a:schemeClr val="tx2"/>
+                          </a:solidFill>
+                          <a:latin typeface="+mn-lt"/>
+                          <a:ea typeface="+mn-ea"/>
+                          <a:cs typeface="+mn-cs"/>
+                        </a:rPr>
+                      </a:br>
+                      <a:r>
+                        <a:rPr lang="en-US" sz="2400" kern="1200" dirty="0">
+                          <a:solidFill>
+                            <a:schemeClr val="tx2"/>
+                          </a:solidFill>
+                          <a:latin typeface="+mn-lt"/>
+                          <a:ea typeface="+mn-ea"/>
+                          <a:cs typeface="+mn-cs"/>
+                        </a:rPr>
+                        <a:t>Test Driven Development is not a must</a:t>
+                      </a:r>
+                    </a:p>
+                  </a:txBody>
+                  <a:tcPr anchor="ctr"/>
+                </a:tc>
+                <a:extLst>
+                  <a:ext uri="{0D108BD9-81ED-4DB2-BD59-A6C34878D82A}">
+                    <a16:rowId xmlns:a16="http://schemas.microsoft.com/office/drawing/2014/main" val="2891640185"/>
+                  </a:ext>
+                </a:extLst>
+              </a:tr>
+              <a:tr h="640080">
+                <a:tc>
+                  <a:txBody>
+                    <a:bodyPr/>
+                    <a:lstStyle/>
+                    <a:p>
+                      <a:pPr marL="0" marR="0" lvl="0" indent="0" algn="l" defTabSz="914400" rtl="0" eaLnBrk="1" fontAlgn="auto" latinLnBrk="0" hangingPunct="1">
+                        <a:lnSpc>
+                          <a:spcPct val="100000"/>
+                        </a:lnSpc>
+                        <a:spcBef>
+                          <a:spcPts val="0"/>
+                        </a:spcBef>
+                        <a:spcAft>
+                          <a:spcPts val="0"/>
+                        </a:spcAft>
+                        <a:buClrTx/>
+                        <a:buSzTx/>
+                        <a:buFontTx/>
+                        <a:buNone/>
+                        <a:tabLst/>
+                        <a:defRPr/>
+                      </a:pPr>
+                      <a:endParaRPr lang="en-US" sz="2400" kern="1200" dirty="0">
+                        <a:solidFill>
+                          <a:schemeClr val="tx2"/>
+                        </a:solidFill>
+                        <a:latin typeface="+mn-lt"/>
+                        <a:ea typeface="+mn-ea"/>
+                        <a:cs typeface="+mn-cs"/>
+                      </a:endParaRPr>
+                    </a:p>
+                  </a:txBody>
+                  <a:tcPr anchor="ctr"/>
+                </a:tc>
+                <a:tc>
+                  <a:txBody>
+                    <a:bodyPr/>
+                    <a:lstStyle/>
+                    <a:p>
+                      <a:endParaRPr lang="en-US" sz="2400" kern="1200" dirty="0">
+                        <a:solidFill>
+                          <a:schemeClr val="tx2"/>
+                        </a:solidFill>
+                        <a:latin typeface="+mn-lt"/>
+                        <a:ea typeface="+mn-ea"/>
+                        <a:cs typeface="+mn-cs"/>
+                      </a:endParaRPr>
+                    </a:p>
+                  </a:txBody>
+                  <a:tcPr anchor="ctr"/>
+                </a:tc>
+                <a:extLst>
+                  <a:ext uri="{0D108BD9-81ED-4DB2-BD59-A6C34878D82A}">
+                    <a16:rowId xmlns:a16="http://schemas.microsoft.com/office/drawing/2014/main" val="1349095502"/>
+                  </a:ext>
+                </a:extLst>
+              </a:tr>
+            </a:tbl>
+          </a:graphicData>
+        </a:graphic>
+      </p:graphicFrame>
+    </p:spTree>
+    <p:extLst>
+      <p:ext uri="{BB962C8B-B14F-4D97-AF65-F5344CB8AC3E}">
+        <p14:creationId xmlns:p14="http://schemas.microsoft.com/office/powerpoint/2010/main" val="3954491594"/>
       </p:ext>
     </p:extLst>
   </p:cSld>
@@ -5726,53 +6624,94 @@
           <a:lstStyle/>
           <a:p>
             <a:r>
-              <a:rPr lang="en-US" dirty="0"/>
+              <a:rPr lang="en-US" dirty="0">
+                <a:solidFill>
+                  <a:schemeClr val="accent1"/>
+                </a:solidFill>
+              </a:rPr>
               <a:t>Why do we need tests?</a:t>
             </a:r>
           </a:p>
           <a:p>
             <a:r>
-              <a:rPr lang="en-US" dirty="0"/>
+              <a:rPr lang="en-US" dirty="0">
+                <a:solidFill>
+                  <a:schemeClr val="accent1"/>
+                </a:solidFill>
+              </a:rPr>
               <a:t>What are good tests?</a:t>
             </a:r>
           </a:p>
           <a:p>
             <a:r>
-              <a:rPr lang="en-US" dirty="0"/>
+              <a:rPr lang="en-US" dirty="0">
+                <a:solidFill>
+                  <a:schemeClr val="accent1"/>
+                </a:solidFill>
+              </a:rPr>
               <a:t>Types of tests</a:t>
             </a:r>
           </a:p>
           <a:p>
             <a:r>
-              <a:rPr lang="en-US" dirty="0"/>
+              <a:rPr lang="en-US" dirty="0">
+                <a:solidFill>
+                  <a:schemeClr val="accent1"/>
+                </a:solidFill>
+              </a:rPr>
               <a:t>How do we make code testable?</a:t>
             </a:r>
           </a:p>
           <a:p>
             <a:r>
-              <a:rPr lang="en-US" dirty="0" err="1"/>
+              <a:rPr lang="en-US" dirty="0">
+                <a:solidFill>
+                  <a:schemeClr val="accent1"/>
+                </a:solidFill>
+              </a:rPr>
+              <a:t>Introducing </a:t>
+            </a:r>
+            <a:r>
+              <a:rPr lang="en-US" dirty="0" err="1">
+                <a:solidFill>
+                  <a:schemeClr val="accent1"/>
+                </a:solidFill>
+              </a:rPr>
               <a:t>GoogleTest</a:t>
             </a:r>
-            <a:r>
-              <a:rPr lang="en-US" dirty="0"/>
-              <a:t> basics</a:t>
-            </a:r>
-          </a:p>
-          <a:p>
-            <a:r>
-              <a:rPr lang="en-US" dirty="0"/>
+            <a:endParaRPr lang="en-US" dirty="0">
+              <a:solidFill>
+                <a:schemeClr val="accent1"/>
+              </a:solidFill>
+            </a:endParaRPr>
+          </a:p>
+          <a:p>
+            <a:r>
+              <a:rPr lang="en-US" dirty="0">
+                <a:solidFill>
+                  <a:schemeClr val="accent1"/>
+                </a:solidFill>
+              </a:rPr>
               <a:t>Dependency Injection</a:t>
             </a:r>
           </a:p>
           <a:p>
             <a:r>
-              <a:rPr lang="en-US" dirty="0"/>
+              <a:rPr lang="en-US" dirty="0">
+                <a:solidFill>
+                  <a:schemeClr val="accent1"/>
+                </a:solidFill>
+              </a:rPr>
               <a:t>Mocks and stubs</a:t>
             </a:r>
           </a:p>
           <a:p>
             <a:r>
-              <a:rPr lang="en-US" dirty="0"/>
+              <a:rPr lang="en-US" dirty="0">
+                <a:solidFill>
+                  <a:schemeClr val="accent1"/>
+                </a:solidFill>
+              </a:rPr>
               <a:t>Testability challenges and the options you have</a:t>
             </a:r>
           </a:p>
@@ -5878,50 +6817,82 @@
           <a:lstStyle/>
           <a:p>
             <a:r>
-              <a:rPr lang="en-US" dirty="0"/>
+              <a:rPr lang="en-US" dirty="0">
+                <a:solidFill>
+                  <a:schemeClr val="accent1"/>
+                </a:solidFill>
+              </a:rPr>
               <a:t>To verify that the code works as expected</a:t>
             </a:r>
           </a:p>
           <a:p>
             <a:r>
-              <a:rPr lang="en-US" dirty="0"/>
-              <a:t>To debug behaviors in a debrief</a:t>
-            </a:r>
-          </a:p>
-          <a:p>
-            <a:r>
-              <a:rPr lang="en-US" dirty="0"/>
+              <a:rPr lang="en-US" dirty="0">
+                <a:solidFill>
+                  <a:schemeClr val="accent1"/>
+                </a:solidFill>
+              </a:rPr>
+              <a:t>To step the code for debugging</a:t>
+            </a:r>
+          </a:p>
+          <a:p>
+            <a:r>
+              <a:rPr lang="en-US" dirty="0">
+                <a:solidFill>
+                  <a:schemeClr val="accent1"/>
+                </a:solidFill>
+              </a:rPr>
               <a:t>To document usage of the code</a:t>
             </a:r>
           </a:p>
           <a:p>
             <a:r>
-              <a:rPr lang="en-US" dirty="0"/>
+              <a:rPr lang="en-US" dirty="0">
+                <a:solidFill>
+                  <a:schemeClr val="accent1"/>
+                </a:solidFill>
+              </a:rPr>
               <a:t>To lock in certain functionality so we can make changes safely</a:t>
             </a:r>
           </a:p>
           <a:p>
             <a:r>
-              <a:rPr lang="en-US" dirty="0"/>
+              <a:rPr lang="en-US" dirty="0">
+                <a:solidFill>
+                  <a:schemeClr val="accent1"/>
+                </a:solidFill>
+              </a:rPr>
               <a:t>To force us to use good design principles, in particularly </a:t>
             </a:r>
           </a:p>
           <a:p>
             <a:pPr lvl="1"/>
             <a:r>
-              <a:rPr lang="en-US" dirty="0"/>
+              <a:rPr lang="en-US" dirty="0">
+                <a:solidFill>
+                  <a:schemeClr val="accent1"/>
+                </a:solidFill>
+              </a:rPr>
               <a:t>Decoupling</a:t>
             </a:r>
           </a:p>
           <a:p>
             <a:pPr lvl="1"/>
             <a:r>
-              <a:rPr lang="en-US" dirty="0"/>
+              <a:rPr lang="en-US" dirty="0">
+                <a:solidFill>
+                  <a:schemeClr val="accent1"/>
+                </a:solidFill>
+              </a:rPr>
               <a:t>Clear interfaces</a:t>
             </a:r>
           </a:p>
           <a:p>
-            <a:endParaRPr lang="en-US" dirty="0"/>
+            <a:endParaRPr lang="en-US" dirty="0">
+              <a:solidFill>
+                <a:schemeClr val="accent1"/>
+              </a:solidFill>
+            </a:endParaRPr>
           </a:p>
         </p:txBody>
       </p:sp>
@@ -6023,42 +6994,75 @@
           <a:lstStyle/>
           <a:p>
             <a:r>
-              <a:rPr lang="en-US" dirty="0"/>
+              <a:rPr lang="en-US" dirty="0">
+                <a:solidFill>
+                  <a:schemeClr val="accent1"/>
+                </a:solidFill>
+              </a:rPr>
               <a:t>Test should be F-I-R-S-T</a:t>
             </a:r>
           </a:p>
           <a:p>
-            <a:r>
-              <a:rPr lang="en-US" dirty="0"/>
+            <a:pPr lvl="1"/>
+            <a:r>
+              <a:rPr lang="en-US" dirty="0">
+                <a:solidFill>
+                  <a:schemeClr val="accent1"/>
+                </a:solidFill>
+              </a:rPr>
               <a:t>Fast</a:t>
             </a:r>
           </a:p>
           <a:p>
-            <a:r>
-              <a:rPr lang="en-US" dirty="0"/>
+            <a:pPr lvl="1"/>
+            <a:r>
+              <a:rPr lang="en-US" dirty="0">
+                <a:solidFill>
+                  <a:schemeClr val="accent1"/>
+                </a:solidFill>
+              </a:rPr>
               <a:t>Independent</a:t>
             </a:r>
           </a:p>
           <a:p>
-            <a:r>
-              <a:rPr lang="en-US" dirty="0"/>
+            <a:pPr lvl="1"/>
+            <a:r>
+              <a:rPr lang="en-US" dirty="0">
+                <a:solidFill>
+                  <a:schemeClr val="accent1"/>
+                </a:solidFill>
+              </a:rPr>
               <a:t>Repeatable</a:t>
             </a:r>
           </a:p>
           <a:p>
-            <a:r>
-              <a:rPr lang="en-US" dirty="0"/>
+            <a:pPr lvl="1"/>
+            <a:r>
+              <a:rPr lang="en-US" dirty="0">
+                <a:solidFill>
+                  <a:schemeClr val="accent1"/>
+                </a:solidFill>
+              </a:rPr>
               <a:t>Self-validating</a:t>
             </a:r>
           </a:p>
           <a:p>
-            <a:r>
-              <a:rPr lang="en-US" dirty="0"/>
+            <a:pPr lvl="1"/>
+            <a:r>
+              <a:rPr lang="en-US" dirty="0">
+                <a:solidFill>
+                  <a:schemeClr val="accent1"/>
+                </a:solidFill>
+              </a:rPr>
               <a:t>Timely</a:t>
             </a:r>
           </a:p>
           <a:p>
-            <a:endParaRPr lang="en-US" dirty="0"/>
+            <a:endParaRPr lang="en-US" dirty="0">
+              <a:solidFill>
+                <a:schemeClr val="accent1"/>
+              </a:solidFill>
+            </a:endParaRPr>
           </a:p>
         </p:txBody>
       </p:sp>
@@ -6155,59 +7159,109 @@
         </p:spPr>
         <p:txBody>
           <a:bodyPr>
-            <a:normAutofit fontScale="92500" lnSpcReduction="10000"/>
+            <a:normAutofit fontScale="92500" lnSpcReduction="20000"/>
           </a:bodyPr>
           <a:lstStyle/>
           <a:p>
             <a:r>
-              <a:rPr lang="en-US" dirty="0"/>
+              <a:rPr lang="en-US" dirty="0">
+                <a:solidFill>
+                  <a:schemeClr val="accent1"/>
+                </a:solidFill>
+              </a:rPr>
               <a:t>Unit test</a:t>
             </a:r>
           </a:p>
           <a:p>
             <a:pPr lvl="1"/>
             <a:r>
-              <a:rPr lang="en-US" dirty="0"/>
+              <a:rPr lang="en-US" dirty="0">
+                <a:solidFill>
+                  <a:schemeClr val="accent1"/>
+                </a:solidFill>
+              </a:rPr>
               <a:t>Test a function of set of functions usually of one class.</a:t>
             </a:r>
           </a:p>
           <a:p>
             <a:r>
-              <a:rPr lang="en-US" dirty="0"/>
+              <a:rPr lang="en-US" dirty="0">
+                <a:solidFill>
+                  <a:schemeClr val="accent1"/>
+                </a:solidFill>
+              </a:rPr>
               <a:t>Component test</a:t>
             </a:r>
           </a:p>
           <a:p>
             <a:pPr lvl="1"/>
             <a:r>
-              <a:rPr lang="en-US" dirty="0"/>
+              <a:rPr lang="en-US" dirty="0">
+                <a:solidFill>
+                  <a:schemeClr val="accent1"/>
+                </a:solidFill>
+              </a:rPr>
               <a:t>Tests an entire component, mocking interactions with other components</a:t>
             </a:r>
           </a:p>
           <a:p>
             <a:r>
-              <a:rPr lang="en-US" dirty="0"/>
+              <a:rPr lang="en-US" dirty="0">
+                <a:solidFill>
+                  <a:schemeClr val="accent1"/>
+                </a:solidFill>
+              </a:rPr>
               <a:t>Integration test</a:t>
             </a:r>
           </a:p>
           <a:p>
             <a:pPr lvl="1"/>
             <a:r>
-              <a:rPr lang="en-US" dirty="0"/>
+              <a:rPr lang="en-US" dirty="0">
+                <a:solidFill>
+                  <a:schemeClr val="accent1"/>
+                </a:solidFill>
+              </a:rPr>
               <a:t>Tests the interaction between components.</a:t>
             </a:r>
           </a:p>
           <a:p>
             <a:r>
-              <a:rPr lang="en-US" dirty="0"/>
+              <a:rPr lang="en-US" dirty="0">
+                <a:solidFill>
+                  <a:schemeClr val="accent1"/>
+                </a:solidFill>
+              </a:rPr>
               <a:t>Functional test (or end-to-end)</a:t>
             </a:r>
           </a:p>
           <a:p>
             <a:pPr lvl="1"/>
             <a:r>
-              <a:rPr lang="en-US" dirty="0"/>
+              <a:rPr lang="en-US" dirty="0">
+                <a:solidFill>
+                  <a:schemeClr val="accent1"/>
+                </a:solidFill>
+              </a:rPr>
               <a:t>Tests the entire functionality of flow as used by the user.</a:t>
+            </a:r>
+          </a:p>
+          <a:p>
+            <a:r>
+              <a:rPr lang="en-US" dirty="0">
+                <a:solidFill>
+                  <a:schemeClr val="accent1"/>
+                </a:solidFill>
+              </a:rPr>
+              <a:t>Characteristic Tests: </a:t>
+            </a:r>
+            <a:r>
+              <a:rPr lang="en-US" dirty="0">
+                <a:solidFill>
+                  <a:schemeClr val="accent3"/>
+                </a:solidFill>
+              </a:rPr>
+              <a:t>Coming up in Legacy Code</a:t>
             </a:r>
           </a:p>
         </p:txBody>
@@ -6312,54 +7366,86 @@
           <a:lstStyle/>
           <a:p>
             <a:r>
-              <a:rPr lang="en-US" dirty="0"/>
-              <a:t>Apply the principles we learned:</a:t>
+              <a:rPr lang="en-US" dirty="0">
+                <a:solidFill>
+                  <a:schemeClr val="accent1"/>
+                </a:solidFill>
+              </a:rPr>
+              <a:t>Apply the principles we have learned so far:</a:t>
             </a:r>
           </a:p>
           <a:p>
             <a:pPr lvl="1"/>
             <a:r>
-              <a:rPr lang="en-US" dirty="0"/>
+              <a:rPr lang="en-US" dirty="0">
+                <a:solidFill>
+                  <a:schemeClr val="accent1"/>
+                </a:solidFill>
+              </a:rPr>
               <a:t>Components should be small</a:t>
             </a:r>
           </a:p>
           <a:p>
             <a:pPr lvl="1"/>
             <a:r>
-              <a:rPr lang="en-US" dirty="0"/>
+              <a:rPr lang="en-US" dirty="0">
+                <a:solidFill>
+                  <a:schemeClr val="accent1"/>
+                </a:solidFill>
+              </a:rPr>
               <a:t>Components should have one responsibility</a:t>
             </a:r>
           </a:p>
           <a:p>
             <a:pPr lvl="1"/>
             <a:r>
-              <a:rPr lang="en-US" dirty="0"/>
+              <a:rPr lang="en-US" dirty="0">
+                <a:solidFill>
+                  <a:schemeClr val="accent1"/>
+                </a:solidFill>
+              </a:rPr>
               <a:t>Components should have a clear interface</a:t>
             </a:r>
           </a:p>
           <a:p>
             <a:r>
-              <a:rPr lang="en-US" dirty="0"/>
+              <a:rPr lang="en-US" dirty="0">
+                <a:solidFill>
+                  <a:schemeClr val="accent1"/>
+                </a:solidFill>
+              </a:rPr>
               <a:t>Implement Dependency Injection</a:t>
             </a:r>
           </a:p>
           <a:p>
             <a:pPr lvl="1"/>
             <a:r>
-              <a:rPr lang="en-US" dirty="0"/>
+              <a:rPr lang="en-US" dirty="0">
+                <a:solidFill>
+                  <a:schemeClr val="accent1"/>
+                </a:solidFill>
+              </a:rPr>
               <a:t>Dependencies should be provided as arguments to the constructor and not modified.</a:t>
             </a:r>
           </a:p>
           <a:p>
             <a:pPr lvl="1"/>
             <a:r>
-              <a:rPr lang="en-US" dirty="0"/>
+              <a:rPr lang="en-US" dirty="0">
+                <a:solidFill>
+                  <a:schemeClr val="accent1"/>
+                </a:solidFill>
+              </a:rPr>
               <a:t>They should preferably be references or const pointers so they cannot be reassigned.</a:t>
             </a:r>
           </a:p>
           <a:p>
             <a:pPr lvl="1"/>
-            <a:endParaRPr lang="en-US" dirty="0"/>
+            <a:endParaRPr lang="en-US" dirty="0">
+              <a:solidFill>
+                <a:schemeClr val="accent1"/>
+              </a:solidFill>
+            </a:endParaRPr>
           </a:p>
         </p:txBody>
       </p:sp>
@@ -6463,7 +7549,11 @@
           <a:lstStyle/>
           <a:p>
             <a:r>
-              <a:rPr lang="en-US" dirty="0"/>
+              <a:rPr lang="en-US" dirty="0">
+                <a:solidFill>
+                  <a:schemeClr val="accent1"/>
+                </a:solidFill>
+              </a:rPr>
               <a:t>TDD takes testing a step further.</a:t>
             </a:r>
           </a:p>
@@ -6473,8 +7563,28 @@
               <a:buAutoNum type="arabicPeriod"/>
             </a:pPr>
             <a:r>
-              <a:rPr lang="en-US" dirty="0"/>
-              <a:t>Write failing tests (Red)</a:t>
+              <a:rPr lang="en-US" dirty="0">
+                <a:solidFill>
+                  <a:schemeClr val="accent1"/>
+                </a:solidFill>
+              </a:rPr>
+              <a:t>Write failing tests (</a:t>
+            </a:r>
+            <a:r>
+              <a:rPr lang="en-US" dirty="0">
+                <a:solidFill>
+                  <a:srgbClr val="FF0000"/>
+                </a:solidFill>
+              </a:rPr>
+              <a:t>Red</a:t>
+            </a:r>
+            <a:r>
+              <a:rPr lang="en-US" dirty="0">
+                <a:solidFill>
+                  <a:schemeClr val="accent1"/>
+                </a:solidFill>
+              </a:rPr>
+              <a:t>)</a:t>
             </a:r>
           </a:p>
           <a:p>
@@ -6483,8 +7593,28 @@
               <a:buAutoNum type="arabicPeriod"/>
             </a:pPr>
             <a:r>
-              <a:rPr lang="en-US" dirty="0"/>
-              <a:t>Write the code to make the tests pass (Green)</a:t>
+              <a:rPr lang="en-US" dirty="0">
+                <a:solidFill>
+                  <a:schemeClr val="accent1"/>
+                </a:solidFill>
+              </a:rPr>
+              <a:t>Write the code to make the tests pass (</a:t>
+            </a:r>
+            <a:r>
+              <a:rPr lang="en-US" dirty="0">
+                <a:solidFill>
+                  <a:schemeClr val="accent3"/>
+                </a:solidFill>
+              </a:rPr>
+              <a:t>Green</a:t>
+            </a:r>
+            <a:r>
+              <a:rPr lang="en-US" dirty="0">
+                <a:solidFill>
+                  <a:schemeClr val="accent1"/>
+                </a:solidFill>
+              </a:rPr>
+              <a:t>)</a:t>
             </a:r>
           </a:p>
           <a:p>
@@ -6493,8 +7623,28 @@
               <a:buAutoNum type="arabicPeriod"/>
             </a:pPr>
             <a:r>
-              <a:rPr lang="en-US" dirty="0"/>
-              <a:t>Refactor, if necessary (keep Green)</a:t>
+              <a:rPr lang="en-US" dirty="0">
+                <a:solidFill>
+                  <a:schemeClr val="accent1"/>
+                </a:solidFill>
+              </a:rPr>
+              <a:t>Refactor, if necessary (</a:t>
+            </a:r>
+            <a:r>
+              <a:rPr lang="en-US" dirty="0">
+                <a:solidFill>
+                  <a:schemeClr val="accent3"/>
+                </a:solidFill>
+              </a:rPr>
+              <a:t>keep Green</a:t>
+            </a:r>
+            <a:r>
+              <a:rPr lang="en-US" dirty="0">
+                <a:solidFill>
+                  <a:schemeClr val="accent1"/>
+                </a:solidFill>
+              </a:rPr>
+              <a:t>)</a:t>
             </a:r>
           </a:p>
           <a:p>
@@ -6503,25 +7653,41 @@
               <a:buAutoNum type="arabicPeriod"/>
             </a:pPr>
             <a:r>
-              <a:rPr lang="en-US" dirty="0"/>
+              <a:rPr lang="en-US" dirty="0">
+                <a:solidFill>
+                  <a:schemeClr val="accent1"/>
+                </a:solidFill>
+              </a:rPr>
               <a:t>Go to 1</a:t>
             </a:r>
           </a:p>
           <a:p>
             <a:r>
-              <a:rPr lang="en-US" dirty="0"/>
+              <a:rPr lang="en-US" dirty="0">
+                <a:solidFill>
+                  <a:schemeClr val="accent1"/>
+                </a:solidFill>
+              </a:rPr>
               <a:t>TDD ensures good test coverage</a:t>
             </a:r>
           </a:p>
           <a:p>
             <a:r>
-              <a:rPr lang="en-US" dirty="0"/>
+              <a:rPr lang="en-US" dirty="0">
+                <a:solidFill>
+                  <a:schemeClr val="accent1"/>
+                </a:solidFill>
+              </a:rPr>
               <a:t>Sometimes the rigid ritual it is not justified</a:t>
             </a:r>
           </a:p>
           <a:p>
             <a:r>
-              <a:rPr lang="en-US" dirty="0"/>
+              <a:rPr lang="en-US" dirty="0">
+                <a:solidFill>
+                  <a:schemeClr val="accent1"/>
+                </a:solidFill>
+              </a:rPr>
               <a:t>It is another tool in your toolbox</a:t>
             </a:r>
           </a:p>
@@ -6593,7 +7759,7 @@
           <a:p>
             <a:r>
               <a:rPr lang="en-US" dirty="0"/>
-              <a:t>Google Test basics</a:t>
+              <a:t>Google Test</a:t>
             </a:r>
           </a:p>
         </p:txBody>
@@ -6616,61 +7782,154 @@
         </p:nvSpPr>
         <p:spPr/>
         <p:txBody>
-          <a:bodyPr/>
+          <a:bodyPr>
+            <a:normAutofit fontScale="85000" lnSpcReduction="20000"/>
+          </a:bodyPr>
           <a:lstStyle/>
           <a:p>
             <a:pPr lvl="0"/>
             <a:r>
-              <a:rPr lang="en-US" altLang="en-US" dirty="0"/>
-              <a:t>A popular C++ unit testing framework by Google</a:t>
+              <a:rPr lang="en-US" altLang="en-US" dirty="0">
+                <a:solidFill>
+                  <a:schemeClr val="accent1"/>
+                </a:solidFill>
+              </a:rPr>
+              <a:t>A C++ unit testing framework by Google (</a:t>
+            </a:r>
+            <a:r>
+              <a:rPr lang="en-US" altLang="en-US" dirty="0" err="1">
+                <a:solidFill>
+                  <a:schemeClr val="accent1"/>
+                </a:solidFill>
+              </a:rPr>
+              <a:t>gtest</a:t>
+            </a:r>
+            <a:r>
+              <a:rPr lang="en-US" altLang="en-US" dirty="0">
+                <a:solidFill>
+                  <a:schemeClr val="accent1"/>
+                </a:solidFill>
+              </a:rPr>
+              <a:t>)</a:t>
+            </a:r>
+          </a:p>
+          <a:p>
+            <a:r>
+              <a:rPr lang="en-US" altLang="en-US" dirty="0">
+                <a:solidFill>
+                  <a:schemeClr val="accent3"/>
+                </a:solidFill>
+              </a:rPr>
+              <a:t>It does not require any changes to your code</a:t>
             </a:r>
           </a:p>
           <a:p>
             <a:pPr lvl="0"/>
             <a:r>
-              <a:rPr lang="en-US" altLang="en-US" dirty="0"/>
-              <a:t>Provides:</a:t>
+              <a:rPr lang="en-US" altLang="en-US" dirty="0">
+                <a:solidFill>
+                  <a:schemeClr val="accent1"/>
+                </a:solidFill>
+              </a:rPr>
+              <a:t>Can also be used for other test type</a:t>
+            </a:r>
+          </a:p>
+          <a:p>
+            <a:pPr lvl="0"/>
+            <a:r>
+              <a:rPr lang="en-US" altLang="en-US" dirty="0">
+                <a:solidFill>
+                  <a:schemeClr val="accent1"/>
+                </a:solidFill>
+              </a:rPr>
+              <a:t>This depends a lot on your design</a:t>
+            </a:r>
+          </a:p>
+          <a:p>
+            <a:pPr lvl="0"/>
+            <a:r>
+              <a:rPr lang="en-US" altLang="en-US" dirty="0">
+                <a:solidFill>
+                  <a:schemeClr val="accent1"/>
+                </a:solidFill>
+              </a:rPr>
+              <a:t>It provides:</a:t>
             </a:r>
           </a:p>
           <a:p>
             <a:pPr lvl="1"/>
             <a:r>
-              <a:rPr lang="en-US" altLang="en-US" dirty="0"/>
+              <a:rPr lang="en-US" altLang="en-US" dirty="0">
+                <a:solidFill>
+                  <a:schemeClr val="accent1"/>
+                </a:solidFill>
+              </a:rPr>
+              <a:t>Integrated test discovery and execution</a:t>
+            </a:r>
+          </a:p>
+          <a:p>
+            <a:pPr lvl="1"/>
+            <a:r>
+              <a:rPr lang="en-US" altLang="en-US" dirty="0">
+                <a:solidFill>
+                  <a:schemeClr val="accent1"/>
+                </a:solidFill>
+              </a:rPr>
               <a:t>Assertions for comparing values</a:t>
             </a:r>
           </a:p>
           <a:p>
             <a:pPr lvl="1"/>
             <a:r>
-              <a:rPr lang="en-US" altLang="en-US" dirty="0"/>
-              <a:t>Test fixtures for reusable setup/teardown</a:t>
+              <a:rPr lang="en-US" altLang="en-US" dirty="0">
+                <a:solidFill>
+                  <a:schemeClr val="accent1"/>
+                </a:solidFill>
+              </a:rPr>
+              <a:t>Stand alone tests without context</a:t>
             </a:r>
           </a:p>
           <a:p>
             <a:pPr lvl="1"/>
             <a:r>
-              <a:rPr lang="en-US" altLang="en-US" dirty="0"/>
-              <a:t>Integrated test discovery and execution</a:t>
-            </a:r>
-          </a:p>
-          <a:p>
-            <a:r>
-              <a:rPr lang="en-US" altLang="en-US" dirty="0"/>
+              <a:rPr lang="en-US" altLang="en-US" dirty="0">
+                <a:solidFill>
+                  <a:schemeClr val="accent1"/>
+                </a:solidFill>
+              </a:rPr>
+              <a:t>Test fixtures with setup/teardown</a:t>
+            </a:r>
+          </a:p>
+          <a:p>
+            <a:r>
+              <a:rPr lang="en-US" altLang="en-US" dirty="0">
+                <a:solidFill>
+                  <a:schemeClr val="accent1"/>
+                </a:solidFill>
+              </a:rPr>
               <a:t>Google Mock provides simple mocks and stubs</a:t>
             </a:r>
           </a:p>
           <a:p>
             <a:pPr lvl="1"/>
             <a:r>
-              <a:rPr lang="en-US" altLang="en-US" dirty="0"/>
-              <a:t>I recommend you write your own </a:t>
+              <a:rPr lang="en-US" altLang="en-US" dirty="0">
+                <a:solidFill>
+                  <a:srgbClr val="FF0000"/>
+                </a:solidFill>
+              </a:rPr>
+              <a:t>I recommend you write your own! </a:t>
             </a:r>
           </a:p>
           <a:p>
             <a:pPr marL="0" indent="0">
               <a:buNone/>
             </a:pPr>
-            <a:endParaRPr lang="en-US" dirty="0"/>
+            <a:endParaRPr lang="en-US" dirty="0">
+              <a:solidFill>
+                <a:schemeClr val="accent1"/>
+              </a:solidFill>
+            </a:endParaRPr>
           </a:p>
         </p:txBody>
       </p:sp>

--- a/Module 2 - The Importance of Tests.pptx
+++ b/Module 2 - The Importance of Tests.pptx
@@ -6,27 +6,26 @@
   </p:sldMasterIdLst>
   <p:sldIdLst>
     <p:sldId id="256" r:id="rId2"/>
-    <p:sldId id="277" r:id="rId3"/>
-    <p:sldId id="276" r:id="rId4"/>
-    <p:sldId id="278" r:id="rId5"/>
-    <p:sldId id="289" r:id="rId6"/>
-    <p:sldId id="290" r:id="rId7"/>
-    <p:sldId id="279" r:id="rId8"/>
-    <p:sldId id="280" r:id="rId9"/>
-    <p:sldId id="281" r:id="rId10"/>
-    <p:sldId id="294" r:id="rId11"/>
-    <p:sldId id="295" r:id="rId12"/>
-    <p:sldId id="282" r:id="rId13"/>
-    <p:sldId id="285" r:id="rId14"/>
-    <p:sldId id="283" r:id="rId15"/>
-    <p:sldId id="286" r:id="rId16"/>
-    <p:sldId id="287" r:id="rId17"/>
-    <p:sldId id="288" r:id="rId18"/>
-    <p:sldId id="284" r:id="rId19"/>
-    <p:sldId id="291" r:id="rId20"/>
-    <p:sldId id="292" r:id="rId21"/>
-    <p:sldId id="474" r:id="rId22"/>
-    <p:sldId id="473" r:id="rId23"/>
+    <p:sldId id="276" r:id="rId3"/>
+    <p:sldId id="278" r:id="rId4"/>
+    <p:sldId id="289" r:id="rId5"/>
+    <p:sldId id="290" r:id="rId6"/>
+    <p:sldId id="279" r:id="rId7"/>
+    <p:sldId id="280" r:id="rId8"/>
+    <p:sldId id="281" r:id="rId9"/>
+    <p:sldId id="294" r:id="rId10"/>
+    <p:sldId id="295" r:id="rId11"/>
+    <p:sldId id="282" r:id="rId12"/>
+    <p:sldId id="285" r:id="rId13"/>
+    <p:sldId id="283" r:id="rId14"/>
+    <p:sldId id="286" r:id="rId15"/>
+    <p:sldId id="287" r:id="rId16"/>
+    <p:sldId id="288" r:id="rId17"/>
+    <p:sldId id="284" r:id="rId18"/>
+    <p:sldId id="291" r:id="rId19"/>
+    <p:sldId id="292" r:id="rId20"/>
+    <p:sldId id="474" r:id="rId21"/>
+    <p:sldId id="473" r:id="rId22"/>
   </p:sldIdLst>
   <p:sldSz cx="9144000" cy="6858000" type="screen4x3"/>
   <p:notesSz cx="6858000" cy="9144000"/>
@@ -3205,7 +3204,13 @@
       </p:sp>
       <p:sp>
         <p:nvSpPr>
-          <p:cNvPr id="3" name="Subtitle 2"/>
+          <p:cNvPr id="7" name="Subtitle 2">
+            <a:extLst>
+              <a:ext uri="{FF2B5EF4-FFF2-40B4-BE49-F238E27FC236}">
+                <a16:creationId xmlns:a16="http://schemas.microsoft.com/office/drawing/2014/main" id="{A65C5A18-52F0-0AA5-40EF-CCE55068C982}"/>
+              </a:ext>
+            </a:extLst>
+          </p:cNvPr>
           <p:cNvSpPr>
             <a:spLocks noGrp="1"/>
           </p:cNvSpPr>
@@ -3213,20 +3218,61 @@
             <p:ph type="subTitle" idx="1"/>
           </p:nvPr>
         </p:nvSpPr>
-        <p:spPr/>
+        <p:spPr>
+          <a:xfrm>
+            <a:off x="1371600" y="4953000"/>
+            <a:ext cx="6400800" cy="838200"/>
+          </a:xfrm>
+        </p:spPr>
         <p:txBody>
           <a:bodyPr/>
           <a:lstStyle/>
           <a:p>
             <a:r>
               <a:rPr lang="en-US" dirty="0"/>
-              <a:t>David </a:t>
-            </a:r>
-            <a:r>
-              <a:rPr lang="en-US" dirty="0" err="1"/>
-              <a:t>Sackstein</a:t>
-            </a:r>
-            <a:endParaRPr lang="en-US" dirty="0"/>
+              <a:t>David Sackstein</a:t>
+            </a:r>
+          </a:p>
+        </p:txBody>
+      </p:sp>
+      <p:sp>
+        <p:nvSpPr>
+          <p:cNvPr id="8" name="TextBox 7">
+            <a:extLst>
+              <a:ext uri="{FF2B5EF4-FFF2-40B4-BE49-F238E27FC236}">
+                <a16:creationId xmlns:a16="http://schemas.microsoft.com/office/drawing/2014/main" id="{554D39BC-2F6A-06D7-84DA-3D93CD70A0D0}"/>
+              </a:ext>
+            </a:extLst>
+          </p:cNvPr>
+          <p:cNvSpPr txBox="1"/>
+          <p:nvPr/>
+        </p:nvSpPr>
+        <p:spPr>
+          <a:xfrm>
+            <a:off x="3581400" y="5774267"/>
+            <a:ext cx="1905000" cy="369332"/>
+          </a:xfrm>
+          <a:prstGeom prst="rect">
+            <a:avLst/>
+          </a:prstGeom>
+          <a:noFill/>
+        </p:spPr>
+        <p:txBody>
+          <a:bodyPr wrap="square" rtlCol="0">
+            <a:spAutoFit/>
+          </a:bodyPr>
+          <a:lstStyle/>
+          <a:p>
+            <a:r>
+              <a:rPr lang="en-US" dirty="0">
+                <a:solidFill>
+                  <a:schemeClr val="tx1">
+                    <a:tint val="75000"/>
+                  </a:schemeClr>
+                </a:solidFill>
+              </a:rPr>
+              <a:t>All rights reserved</a:t>
+            </a:r>
           </a:p>
         </p:txBody>
       </p:sp>
@@ -3244,496 +3290,6 @@
 </file>
 
 <file path=ppt/slides/slide10.xml><?xml version="1.0" encoding="utf-8"?>
-<p:sld xmlns:a="http://schemas.openxmlformats.org/drawingml/2006/main" xmlns:r="http://schemas.openxmlformats.org/officeDocument/2006/relationships" xmlns:p="http://schemas.openxmlformats.org/presentationml/2006/main">
-  <p:cSld>
-    <p:spTree>
-      <p:nvGrpSpPr>
-        <p:cNvPr id="1" name=""/>
-        <p:cNvGrpSpPr/>
-        <p:nvPr/>
-      </p:nvGrpSpPr>
-      <p:grpSpPr>
-        <a:xfrm>
-          <a:off x="0" y="0"/>
-          <a:ext cx="0" cy="0"/>
-          <a:chOff x="0" y="0"/>
-          <a:chExt cx="0" cy="0"/>
-        </a:xfrm>
-      </p:grpSpPr>
-      <p:pic>
-        <p:nvPicPr>
-          <p:cNvPr id="9" name="Picture 8">
-            <a:extLst>
-              <a:ext uri="{FF2B5EF4-FFF2-40B4-BE49-F238E27FC236}">
-                <a16:creationId xmlns:a16="http://schemas.microsoft.com/office/drawing/2014/main" id="{A6CE4240-DCCC-0E66-2EE3-42F83B94E038}"/>
-              </a:ext>
-            </a:extLst>
-          </p:cNvPr>
-          <p:cNvPicPr>
-            <a:picLocks noChangeAspect="1"/>
-          </p:cNvPicPr>
-          <p:nvPr/>
-        </p:nvPicPr>
-        <p:blipFill>
-          <a:blip r:embed="rId2"/>
-          <a:stretch>
-            <a:fillRect/>
-          </a:stretch>
-        </p:blipFill>
-        <p:spPr>
-          <a:xfrm>
-            <a:off x="4114799" y="228600"/>
-            <a:ext cx="4641477" cy="5791200"/>
-          </a:xfrm>
-          <a:prstGeom prst="rect">
-            <a:avLst/>
-          </a:prstGeom>
-          <a:ln w="3175">
-            <a:solidFill>
-              <a:schemeClr val="accent1"/>
-            </a:solidFill>
-          </a:ln>
-        </p:spPr>
-      </p:pic>
-      <p:sp>
-        <p:nvSpPr>
-          <p:cNvPr id="6" name="Callout: Line 5">
-            <a:extLst>
-              <a:ext uri="{FF2B5EF4-FFF2-40B4-BE49-F238E27FC236}">
-                <a16:creationId xmlns:a16="http://schemas.microsoft.com/office/drawing/2014/main" id="{98F62B3A-C94D-1584-BC47-1870B1CA258E}"/>
-              </a:ext>
-            </a:extLst>
-          </p:cNvPr>
-          <p:cNvSpPr/>
-          <p:nvPr/>
-        </p:nvSpPr>
-        <p:spPr>
-          <a:xfrm>
-            <a:off x="304800" y="310668"/>
-            <a:ext cx="2819400" cy="685800"/>
-          </a:xfrm>
-          <a:prstGeom prst="borderCallout1">
-            <a:avLst>
-              <a:gd name="adj1" fmla="val 52701"/>
-              <a:gd name="adj2" fmla="val 99645"/>
-              <a:gd name="adj3" fmla="val 3858"/>
-              <a:gd name="adj4" fmla="val 147022"/>
-            </a:avLst>
-          </a:prstGeom>
-          <a:noFill/>
-          <a:ln w="9525"/>
-        </p:spPr>
-        <p:style>
-          <a:lnRef idx="2">
-            <a:schemeClr val="accent1">
-              <a:shade val="15000"/>
-            </a:schemeClr>
-          </a:lnRef>
-          <a:fillRef idx="1">
-            <a:schemeClr val="accent1"/>
-          </a:fillRef>
-          <a:effectRef idx="0">
-            <a:schemeClr val="accent1"/>
-          </a:effectRef>
-          <a:fontRef idx="minor">
-            <a:schemeClr val="lt1"/>
-          </a:fontRef>
-        </p:style>
-        <p:txBody>
-          <a:bodyPr rtlCol="0" anchor="ctr"/>
-          <a:lstStyle/>
-          <a:p>
-            <a:pPr algn="ctr"/>
-            <a:r>
-              <a:rPr lang="fr-FR" dirty="0">
-                <a:solidFill>
-                  <a:schemeClr val="tx1"/>
-                </a:solidFill>
-              </a:rPr>
-              <a:t>The </a:t>
-            </a:r>
-            <a:r>
-              <a:rPr lang="fr-FR" dirty="0" err="1">
-                <a:solidFill>
-                  <a:schemeClr val="tx1"/>
-                </a:solidFill>
-              </a:rPr>
-              <a:t>only</a:t>
-            </a:r>
-            <a:r>
-              <a:rPr lang="fr-FR" dirty="0">
-                <a:solidFill>
-                  <a:schemeClr val="tx1"/>
-                </a:solidFill>
-              </a:rPr>
-              <a:t> </a:t>
-            </a:r>
-            <a:r>
-              <a:rPr lang="fr-FR" dirty="0" err="1">
-                <a:solidFill>
-                  <a:schemeClr val="tx1"/>
-                </a:solidFill>
-              </a:rPr>
-              <a:t>include</a:t>
-            </a:r>
-            <a:r>
-              <a:rPr lang="fr-FR" dirty="0">
-                <a:solidFill>
-                  <a:schemeClr val="tx1"/>
-                </a:solidFill>
-              </a:rPr>
-              <a:t> </a:t>
-            </a:r>
-            <a:r>
-              <a:rPr lang="fr-FR" dirty="0" err="1">
-                <a:solidFill>
-                  <a:schemeClr val="tx1"/>
-                </a:solidFill>
-              </a:rPr>
-              <a:t>you</a:t>
-            </a:r>
-            <a:r>
-              <a:rPr lang="fr-FR" dirty="0">
-                <a:solidFill>
-                  <a:schemeClr val="tx1"/>
-                </a:solidFill>
-              </a:rPr>
-              <a:t> </a:t>
-            </a:r>
-            <a:r>
-              <a:rPr lang="fr-FR" dirty="0" err="1">
-                <a:solidFill>
-                  <a:schemeClr val="tx1"/>
-                </a:solidFill>
-              </a:rPr>
-              <a:t>need</a:t>
-            </a:r>
-            <a:r>
-              <a:rPr lang="fr-FR" dirty="0">
-                <a:solidFill>
-                  <a:schemeClr val="tx1"/>
-                </a:solidFill>
-              </a:rPr>
-              <a:t> </a:t>
-            </a:r>
-            <a:endParaRPr lang="en-US" dirty="0">
-              <a:solidFill>
-                <a:schemeClr val="tx1"/>
-              </a:solidFill>
-            </a:endParaRPr>
-          </a:p>
-        </p:txBody>
-      </p:sp>
-      <p:sp>
-        <p:nvSpPr>
-          <p:cNvPr id="7" name="Callout: Line 6">
-            <a:extLst>
-              <a:ext uri="{FF2B5EF4-FFF2-40B4-BE49-F238E27FC236}">
-                <a16:creationId xmlns:a16="http://schemas.microsoft.com/office/drawing/2014/main" id="{D5DBBB3E-5044-41DC-5CFD-92AB5C2C5A65}"/>
-              </a:ext>
-            </a:extLst>
-          </p:cNvPr>
-          <p:cNvSpPr/>
-          <p:nvPr/>
-        </p:nvSpPr>
-        <p:spPr>
-          <a:xfrm>
-            <a:off x="292100" y="1447800"/>
-            <a:ext cx="2819400" cy="685800"/>
-          </a:xfrm>
-          <a:prstGeom prst="borderCallout1">
-            <a:avLst>
-              <a:gd name="adj1" fmla="val 52701"/>
-              <a:gd name="adj2" fmla="val 99645"/>
-              <a:gd name="adj3" fmla="val 19907"/>
-              <a:gd name="adj4" fmla="val 148823"/>
-            </a:avLst>
-          </a:prstGeom>
-          <a:noFill/>
-          <a:ln w="9525"/>
-        </p:spPr>
-        <p:style>
-          <a:lnRef idx="2">
-            <a:schemeClr val="accent1">
-              <a:shade val="15000"/>
-            </a:schemeClr>
-          </a:lnRef>
-          <a:fillRef idx="1">
-            <a:schemeClr val="accent1"/>
-          </a:fillRef>
-          <a:effectRef idx="0">
-            <a:schemeClr val="accent1"/>
-          </a:effectRef>
-          <a:fontRef idx="minor">
-            <a:schemeClr val="lt1"/>
-          </a:fontRef>
-        </p:style>
-        <p:txBody>
-          <a:bodyPr rtlCol="0" anchor="ctr"/>
-          <a:lstStyle/>
-          <a:p>
-            <a:r>
-              <a:rPr lang="fr-FR" dirty="0">
-                <a:solidFill>
-                  <a:schemeClr val="tx1"/>
-                </a:solidFill>
-              </a:rPr>
-              <a:t>The TEST macro </a:t>
-            </a:r>
-            <a:r>
-              <a:rPr lang="fr-FR" dirty="0" err="1">
-                <a:solidFill>
-                  <a:schemeClr val="tx1"/>
-                </a:solidFill>
-              </a:rPr>
-              <a:t>defines</a:t>
-            </a:r>
-            <a:r>
-              <a:rPr lang="fr-FR" dirty="0">
-                <a:solidFill>
-                  <a:schemeClr val="tx1"/>
-                </a:solidFill>
-              </a:rPr>
-              <a:t> a suite </a:t>
-            </a:r>
-            <a:r>
-              <a:rPr lang="fr-FR" dirty="0" err="1">
-                <a:solidFill>
-                  <a:schemeClr val="tx1"/>
-                </a:solidFill>
-              </a:rPr>
-              <a:t>name</a:t>
-            </a:r>
-            <a:r>
-              <a:rPr lang="fr-FR" dirty="0">
-                <a:solidFill>
-                  <a:schemeClr val="tx1"/>
-                </a:solidFill>
-              </a:rPr>
-              <a:t> and a test </a:t>
-            </a:r>
-            <a:r>
-              <a:rPr lang="fr-FR" dirty="0" err="1">
-                <a:solidFill>
-                  <a:schemeClr val="tx1"/>
-                </a:solidFill>
-              </a:rPr>
-              <a:t>name</a:t>
-            </a:r>
-            <a:endParaRPr lang="en-US" dirty="0">
-              <a:solidFill>
-                <a:schemeClr val="tx1"/>
-              </a:solidFill>
-            </a:endParaRPr>
-          </a:p>
-        </p:txBody>
-      </p:sp>
-      <p:sp>
-        <p:nvSpPr>
-          <p:cNvPr id="11" name="Callout: Line 10">
-            <a:extLst>
-              <a:ext uri="{FF2B5EF4-FFF2-40B4-BE49-F238E27FC236}">
-                <a16:creationId xmlns:a16="http://schemas.microsoft.com/office/drawing/2014/main" id="{1204816E-E939-5D1B-C39C-E8CD741210E3}"/>
-              </a:ext>
-            </a:extLst>
-          </p:cNvPr>
-          <p:cNvSpPr/>
-          <p:nvPr/>
-        </p:nvSpPr>
-        <p:spPr>
-          <a:xfrm>
-            <a:off x="304800" y="3048000"/>
-            <a:ext cx="2819400" cy="685800"/>
-          </a:xfrm>
-          <a:prstGeom prst="borderCallout1">
-            <a:avLst>
-              <a:gd name="adj1" fmla="val 52701"/>
-              <a:gd name="adj2" fmla="val 99645"/>
-              <a:gd name="adj3" fmla="val 48919"/>
-              <a:gd name="adj4" fmla="val 154378"/>
-            </a:avLst>
-          </a:prstGeom>
-          <a:noFill/>
-          <a:ln w="9525"/>
-        </p:spPr>
-        <p:style>
-          <a:lnRef idx="2">
-            <a:schemeClr val="accent1">
-              <a:shade val="15000"/>
-            </a:schemeClr>
-          </a:lnRef>
-          <a:fillRef idx="1">
-            <a:schemeClr val="accent1"/>
-          </a:fillRef>
-          <a:effectRef idx="0">
-            <a:schemeClr val="accent1"/>
-          </a:effectRef>
-          <a:fontRef idx="minor">
-            <a:schemeClr val="lt1"/>
-          </a:fontRef>
-        </p:style>
-        <p:txBody>
-          <a:bodyPr rtlCol="0" anchor="ctr"/>
-          <a:lstStyle/>
-          <a:p>
-            <a:r>
-              <a:rPr lang="fr-FR" dirty="0">
-                <a:solidFill>
-                  <a:schemeClr val="tx1"/>
-                </a:solidFill>
-              </a:rPr>
-              <a:t>Assertions </a:t>
-            </a:r>
-            <a:r>
-              <a:rPr lang="fr-FR" dirty="0" err="1">
-                <a:solidFill>
-                  <a:schemeClr val="tx1"/>
-                </a:solidFill>
-              </a:rPr>
-              <a:t>abort</a:t>
-            </a:r>
-            <a:r>
-              <a:rPr lang="fr-FR" dirty="0">
-                <a:solidFill>
-                  <a:schemeClr val="tx1"/>
-                </a:solidFill>
-              </a:rPr>
-              <a:t> the test if </a:t>
-            </a:r>
-            <a:r>
-              <a:rPr lang="fr-FR" dirty="0" err="1">
-                <a:solidFill>
-                  <a:schemeClr val="tx1"/>
-                </a:solidFill>
-              </a:rPr>
-              <a:t>they</a:t>
-            </a:r>
-            <a:r>
-              <a:rPr lang="fr-FR" dirty="0">
-                <a:solidFill>
-                  <a:schemeClr val="tx1"/>
-                </a:solidFill>
-              </a:rPr>
-              <a:t> fail</a:t>
-            </a:r>
-            <a:endParaRPr lang="en-US" dirty="0">
-              <a:solidFill>
-                <a:schemeClr val="tx1"/>
-              </a:solidFill>
-            </a:endParaRPr>
-          </a:p>
-        </p:txBody>
-      </p:sp>
-      <p:sp>
-        <p:nvSpPr>
-          <p:cNvPr id="13" name="Callout: Line 12">
-            <a:extLst>
-              <a:ext uri="{FF2B5EF4-FFF2-40B4-BE49-F238E27FC236}">
-                <a16:creationId xmlns:a16="http://schemas.microsoft.com/office/drawing/2014/main" id="{3FC75EBD-93E6-FD7B-F839-1B4189FDEF4F}"/>
-              </a:ext>
-            </a:extLst>
-          </p:cNvPr>
-          <p:cNvSpPr/>
-          <p:nvPr/>
-        </p:nvSpPr>
-        <p:spPr>
-          <a:xfrm>
-            <a:off x="292100" y="4262968"/>
-            <a:ext cx="2819400" cy="685800"/>
-          </a:xfrm>
-          <a:prstGeom prst="borderCallout1">
-            <a:avLst>
-              <a:gd name="adj1" fmla="val 52701"/>
-              <a:gd name="adj2" fmla="val 99645"/>
-              <a:gd name="adj3" fmla="val 47684"/>
-              <a:gd name="adj4" fmla="val 155729"/>
-            </a:avLst>
-          </a:prstGeom>
-          <a:noFill/>
-          <a:ln w="9525"/>
-        </p:spPr>
-        <p:style>
-          <a:lnRef idx="2">
-            <a:schemeClr val="accent1">
-              <a:shade val="15000"/>
-            </a:schemeClr>
-          </a:lnRef>
-          <a:fillRef idx="1">
-            <a:schemeClr val="accent1"/>
-          </a:fillRef>
-          <a:effectRef idx="0">
-            <a:schemeClr val="accent1"/>
-          </a:effectRef>
-          <a:fontRef idx="minor">
-            <a:schemeClr val="lt1"/>
-          </a:fontRef>
-        </p:style>
-        <p:txBody>
-          <a:bodyPr rtlCol="0" anchor="ctr"/>
-          <a:lstStyle/>
-          <a:p>
-            <a:r>
-              <a:rPr lang="fr-FR" dirty="0">
-                <a:solidFill>
-                  <a:schemeClr val="tx1"/>
-                </a:solidFill>
-              </a:rPr>
-              <a:t>Expectations </a:t>
-            </a:r>
-            <a:r>
-              <a:rPr lang="fr-FR" dirty="0" err="1">
-                <a:solidFill>
-                  <a:schemeClr val="tx1"/>
-                </a:solidFill>
-              </a:rPr>
-              <a:t>allow</a:t>
-            </a:r>
-            <a:r>
-              <a:rPr lang="fr-FR" dirty="0">
-                <a:solidFill>
-                  <a:schemeClr val="tx1"/>
-                </a:solidFill>
-              </a:rPr>
-              <a:t> the test to continue if </a:t>
-            </a:r>
-            <a:r>
-              <a:rPr lang="fr-FR" dirty="0" err="1">
-                <a:solidFill>
-                  <a:schemeClr val="tx1"/>
-                </a:solidFill>
-              </a:rPr>
-              <a:t>they</a:t>
-            </a:r>
-            <a:r>
-              <a:rPr lang="fr-FR" dirty="0">
-                <a:solidFill>
-                  <a:schemeClr val="tx1"/>
-                </a:solidFill>
-              </a:rPr>
-              <a:t> fail </a:t>
-            </a:r>
-            <a:endParaRPr lang="en-US" dirty="0">
-              <a:solidFill>
-                <a:schemeClr val="tx1"/>
-              </a:solidFill>
-            </a:endParaRPr>
-          </a:p>
-        </p:txBody>
-      </p:sp>
-    </p:spTree>
-    <p:extLst>
-      <p:ext uri="{BB962C8B-B14F-4D97-AF65-F5344CB8AC3E}">
-        <p14:creationId xmlns:p14="http://schemas.microsoft.com/office/powerpoint/2010/main" val="3888715697"/>
-      </p:ext>
-    </p:extLst>
-  </p:cSld>
-  <p:clrMapOvr>
-    <a:masterClrMapping/>
-  </p:clrMapOvr>
-</p:sld>
-</file>
-
-<file path=ppt/slides/slide11.xml><?xml version="1.0" encoding="utf-8"?>
 <p:sld xmlns:a="http://schemas.openxmlformats.org/drawingml/2006/main" xmlns:r="http://schemas.openxmlformats.org/officeDocument/2006/relationships" xmlns:p="http://schemas.openxmlformats.org/presentationml/2006/main">
   <p:cSld>
     <p:spTree>
@@ -4335,7 +3891,7 @@
 </p:sld>
 </file>
 
-<file path=ppt/slides/slide12.xml><?xml version="1.0" encoding="utf-8"?>
+<file path=ppt/slides/slide11.xml><?xml version="1.0" encoding="utf-8"?>
 <p:sld xmlns:a="http://schemas.openxmlformats.org/drawingml/2006/main" xmlns:r="http://schemas.openxmlformats.org/officeDocument/2006/relationships" xmlns:p="http://schemas.openxmlformats.org/presentationml/2006/main">
   <p:cSld>
     <p:spTree>
@@ -4507,7 +4063,7 @@
 </p:sld>
 </file>
 
-<file path=ppt/slides/slide13.xml><?xml version="1.0" encoding="utf-8"?>
+<file path=ppt/slides/slide12.xml><?xml version="1.0" encoding="utf-8"?>
 <p:sld xmlns:a="http://schemas.openxmlformats.org/drawingml/2006/main" xmlns:r="http://schemas.openxmlformats.org/officeDocument/2006/relationships" xmlns:p="http://schemas.openxmlformats.org/presentationml/2006/main">
   <p:cSld>
     <p:spTree>
@@ -4665,7 +4221,7 @@
 </p:sld>
 </file>
 
-<file path=ppt/slides/slide14.xml><?xml version="1.0" encoding="utf-8"?>
+<file path=ppt/slides/slide13.xml><?xml version="1.0" encoding="utf-8"?>
 <p:sld xmlns:a="http://schemas.openxmlformats.org/drawingml/2006/main" xmlns:r="http://schemas.openxmlformats.org/officeDocument/2006/relationships" xmlns:p="http://schemas.openxmlformats.org/presentationml/2006/main">
   <p:cSld>
     <p:spTree>
@@ -4824,7 +4380,7 @@
 </p:sld>
 </file>
 
-<file path=ppt/slides/slide15.xml><?xml version="1.0" encoding="utf-8"?>
+<file path=ppt/slides/slide14.xml><?xml version="1.0" encoding="utf-8"?>
 <p:sld xmlns:a="http://schemas.openxmlformats.org/drawingml/2006/main" xmlns:r="http://schemas.openxmlformats.org/officeDocument/2006/relationships" xmlns:p="http://schemas.openxmlformats.org/presentationml/2006/main">
   <p:cSld>
     <p:spTree>
@@ -4982,7 +4538,7 @@
 </p:sld>
 </file>
 
-<file path=ppt/slides/slide16.xml><?xml version="1.0" encoding="utf-8"?>
+<file path=ppt/slides/slide15.xml><?xml version="1.0" encoding="utf-8"?>
 <p:sld xmlns:a="http://schemas.openxmlformats.org/drawingml/2006/main" xmlns:r="http://schemas.openxmlformats.org/officeDocument/2006/relationships" xmlns:p="http://schemas.openxmlformats.org/presentationml/2006/main">
   <p:cSld>
     <p:spTree>
@@ -5144,7 +4700,7 @@
 </p:sld>
 </file>
 
-<file path=ppt/slides/slide17.xml><?xml version="1.0" encoding="utf-8"?>
+<file path=ppt/slides/slide16.xml><?xml version="1.0" encoding="utf-8"?>
 <p:sld xmlns:a="http://schemas.openxmlformats.org/drawingml/2006/main" xmlns:r="http://schemas.openxmlformats.org/officeDocument/2006/relationships" xmlns:p="http://schemas.openxmlformats.org/presentationml/2006/main">
   <p:cSld>
     <p:spTree>
@@ -5284,7 +4840,7 @@
 </p:sld>
 </file>
 
-<file path=ppt/slides/slide18.xml><?xml version="1.0" encoding="utf-8"?>
+<file path=ppt/slides/slide17.xml><?xml version="1.0" encoding="utf-8"?>
 <p:sld xmlns:a="http://schemas.openxmlformats.org/drawingml/2006/main" xmlns:r="http://schemas.openxmlformats.org/officeDocument/2006/relationships" xmlns:p="http://schemas.openxmlformats.org/presentationml/2006/main">
   <p:cSld>
     <p:spTree>
@@ -5455,7 +5011,7 @@
 </p:sld>
 </file>
 
-<file path=ppt/slides/slide19.xml><?xml version="1.0" encoding="utf-8"?>
+<file path=ppt/slides/slide18.xml><?xml version="1.0" encoding="utf-8"?>
 <p:sld xmlns:a="http://schemas.openxmlformats.org/drawingml/2006/main" xmlns:r="http://schemas.openxmlformats.org/officeDocument/2006/relationships" xmlns:p="http://schemas.openxmlformats.org/presentationml/2006/main">
   <p:cSld>
     <p:spTree>
@@ -5632,130 +5188,7 @@
 </p:sld>
 </file>
 
-<file path=ppt/slides/slide2.xml><?xml version="1.0" encoding="utf-8"?>
-<p:sld xmlns:a="http://schemas.openxmlformats.org/drawingml/2006/main" xmlns:r="http://schemas.openxmlformats.org/officeDocument/2006/relationships" xmlns:p="http://schemas.openxmlformats.org/presentationml/2006/main">
-  <p:cSld>
-    <p:spTree>
-      <p:nvGrpSpPr>
-        <p:cNvPr id="1" name="">
-          <a:extLst>
-            <a:ext uri="{FF2B5EF4-FFF2-40B4-BE49-F238E27FC236}">
-              <a16:creationId xmlns:a16="http://schemas.microsoft.com/office/drawing/2014/main" id="{BFE0FB6C-81C6-BBCB-E50D-F93729F6D710}"/>
-            </a:ext>
-          </a:extLst>
-        </p:cNvPr>
-        <p:cNvGrpSpPr/>
-        <p:nvPr/>
-      </p:nvGrpSpPr>
-      <p:grpSpPr>
-        <a:xfrm>
-          <a:off x="0" y="0"/>
-          <a:ext cx="0" cy="0"/>
-          <a:chOff x="0" y="0"/>
-          <a:chExt cx="0" cy="0"/>
-        </a:xfrm>
-      </p:grpSpPr>
-      <p:sp>
-        <p:nvSpPr>
-          <p:cNvPr id="2" name="Title 1">
-            <a:extLst>
-              <a:ext uri="{FF2B5EF4-FFF2-40B4-BE49-F238E27FC236}">
-                <a16:creationId xmlns:a16="http://schemas.microsoft.com/office/drawing/2014/main" id="{D1458663-A39D-87B3-9A3E-1E2BC2F6C8A3}"/>
-              </a:ext>
-            </a:extLst>
-          </p:cNvPr>
-          <p:cNvSpPr>
-            <a:spLocks noGrp="1"/>
-          </p:cNvSpPr>
-          <p:nvPr>
-            <p:ph type="title"/>
-          </p:nvPr>
-        </p:nvSpPr>
-        <p:spPr>
-          <a:xfrm>
-            <a:off x="457200" y="274638"/>
-            <a:ext cx="8229600" cy="1143000"/>
-          </a:xfrm>
-        </p:spPr>
-        <p:txBody>
-          <a:bodyPr/>
-          <a:lstStyle/>
-          <a:p>
-            <a:r>
-              <a:rPr lang="en-US" dirty="0"/>
-              <a:t>Overview</a:t>
-            </a:r>
-          </a:p>
-        </p:txBody>
-      </p:sp>
-      <p:sp>
-        <p:nvSpPr>
-          <p:cNvPr id="3" name="Content Placeholder 2">
-            <a:extLst>
-              <a:ext uri="{FF2B5EF4-FFF2-40B4-BE49-F238E27FC236}">
-                <a16:creationId xmlns:a16="http://schemas.microsoft.com/office/drawing/2014/main" id="{6EB7EFF2-B200-10B0-586E-79DB9DCF9449}"/>
-              </a:ext>
-            </a:extLst>
-          </p:cNvPr>
-          <p:cNvSpPr>
-            <a:spLocks noGrp="1"/>
-          </p:cNvSpPr>
-          <p:nvPr>
-            <p:ph idx="1"/>
-          </p:nvPr>
-        </p:nvSpPr>
-        <p:spPr>
-          <a:xfrm>
-            <a:off x="457200" y="1600200"/>
-            <a:ext cx="8229600" cy="4525963"/>
-          </a:xfrm>
-        </p:spPr>
-        <p:txBody>
-          <a:bodyPr>
-            <a:normAutofit fontScale="85000" lnSpcReduction="10000"/>
-          </a:bodyPr>
-          <a:lstStyle/>
-          <a:p>
-            <a:r>
-              <a:rPr lang="en-US" dirty="0"/>
-              <a:t>In this module we will learn why tests are so important. Verification is the obvious benefit, but there are many more. </a:t>
-            </a:r>
-          </a:p>
-          <a:p>
-            <a:r>
-              <a:rPr lang="en-US" dirty="0"/>
-              <a:t>We will describe different levels of tests: Unit Tests, Integration Tests, System Tests. Everyone does System Testing (hopefully) but is that enough? </a:t>
-            </a:r>
-            <a:br>
-              <a:rPr lang="en-US" dirty="0"/>
-            </a:br>
-            <a:r>
-              <a:rPr lang="en-US" dirty="0"/>
-              <a:t>Building on Module 1 we will learn what makes code testable and we will consider the benefits of Dependency Injection, Mocks and Stubs.</a:t>
-            </a:r>
-          </a:p>
-          <a:p>
-            <a:r>
-              <a:rPr lang="en-US" dirty="0"/>
-              <a:t>It is all actually much simpler than it may sound, and I will demonstrate with code examples to prove it. </a:t>
-            </a:r>
-          </a:p>
-        </p:txBody>
-      </p:sp>
-    </p:spTree>
-    <p:extLst>
-      <p:ext uri="{BB962C8B-B14F-4D97-AF65-F5344CB8AC3E}">
-        <p14:creationId xmlns:p14="http://schemas.microsoft.com/office/powerpoint/2010/main" val="1222598613"/>
-      </p:ext>
-    </p:extLst>
-  </p:cSld>
-  <p:clrMapOvr>
-    <a:masterClrMapping/>
-  </p:clrMapOvr>
-</p:sld>
-</file>
-
-<file path=ppt/slides/slide20.xml><?xml version="1.0" encoding="utf-8"?>
+<file path=ppt/slides/slide19.xml><?xml version="1.0" encoding="utf-8"?>
 <p:sld xmlns:a="http://schemas.openxmlformats.org/drawingml/2006/main" xmlns:r="http://schemas.openxmlformats.org/officeDocument/2006/relationships" xmlns:p="http://schemas.openxmlformats.org/presentationml/2006/main">
   <p:cSld>
     <p:spTree>
@@ -5889,7 +5322,180 @@
 </p:sld>
 </file>
 
-<file path=ppt/slides/slide21.xml><?xml version="1.0" encoding="utf-8"?>
+<file path=ppt/slides/slide2.xml><?xml version="1.0" encoding="utf-8"?>
+<p:sld xmlns:a="http://schemas.openxmlformats.org/drawingml/2006/main" xmlns:r="http://schemas.openxmlformats.org/officeDocument/2006/relationships" xmlns:p="http://schemas.openxmlformats.org/presentationml/2006/main">
+  <p:cSld>
+    <p:spTree>
+      <p:nvGrpSpPr>
+        <p:cNvPr id="1" name=""/>
+        <p:cNvGrpSpPr/>
+        <p:nvPr/>
+      </p:nvGrpSpPr>
+      <p:grpSpPr>
+        <a:xfrm>
+          <a:off x="0" y="0"/>
+          <a:ext cx="0" cy="0"/>
+          <a:chOff x="0" y="0"/>
+          <a:chExt cx="0" cy="0"/>
+        </a:xfrm>
+      </p:grpSpPr>
+      <p:sp>
+        <p:nvSpPr>
+          <p:cNvPr id="2" name="Title 1"/>
+          <p:cNvSpPr>
+            <a:spLocks noGrp="1"/>
+          </p:cNvSpPr>
+          <p:nvPr>
+            <p:ph type="title"/>
+          </p:nvPr>
+        </p:nvSpPr>
+        <p:spPr>
+          <a:xfrm>
+            <a:off x="457200" y="274638"/>
+            <a:ext cx="8229600" cy="1143000"/>
+          </a:xfrm>
+        </p:spPr>
+        <p:txBody>
+          <a:bodyPr/>
+          <a:lstStyle/>
+          <a:p>
+            <a:r>
+              <a:rPr lang="en-US" dirty="0"/>
+              <a:t>Agenda</a:t>
+            </a:r>
+          </a:p>
+        </p:txBody>
+      </p:sp>
+      <p:sp>
+        <p:nvSpPr>
+          <p:cNvPr id="3" name="Content Placeholder 2"/>
+          <p:cNvSpPr>
+            <a:spLocks noGrp="1"/>
+          </p:cNvSpPr>
+          <p:nvPr>
+            <p:ph idx="1"/>
+          </p:nvPr>
+        </p:nvSpPr>
+        <p:spPr>
+          <a:xfrm>
+            <a:off x="457200" y="1600200"/>
+            <a:ext cx="8229600" cy="4525963"/>
+          </a:xfrm>
+        </p:spPr>
+        <p:txBody>
+          <a:bodyPr>
+            <a:normAutofit fontScale="92500"/>
+          </a:bodyPr>
+          <a:lstStyle/>
+          <a:p>
+            <a:r>
+              <a:rPr lang="en-US" dirty="0">
+                <a:solidFill>
+                  <a:schemeClr val="accent1"/>
+                </a:solidFill>
+              </a:rPr>
+              <a:t>Why do we need tests?</a:t>
+            </a:r>
+          </a:p>
+          <a:p>
+            <a:r>
+              <a:rPr lang="en-US" dirty="0">
+                <a:solidFill>
+                  <a:schemeClr val="accent1"/>
+                </a:solidFill>
+              </a:rPr>
+              <a:t>What are good tests?</a:t>
+            </a:r>
+          </a:p>
+          <a:p>
+            <a:r>
+              <a:rPr lang="en-US" dirty="0">
+                <a:solidFill>
+                  <a:schemeClr val="accent1"/>
+                </a:solidFill>
+              </a:rPr>
+              <a:t>Types of tests</a:t>
+            </a:r>
+          </a:p>
+          <a:p>
+            <a:r>
+              <a:rPr lang="en-US" dirty="0">
+                <a:solidFill>
+                  <a:schemeClr val="accent1"/>
+                </a:solidFill>
+              </a:rPr>
+              <a:t>How do we make code testable?</a:t>
+            </a:r>
+          </a:p>
+          <a:p>
+            <a:r>
+              <a:rPr lang="en-US" dirty="0">
+                <a:solidFill>
+                  <a:schemeClr val="accent1"/>
+                </a:solidFill>
+              </a:rPr>
+              <a:t>Introducing </a:t>
+            </a:r>
+            <a:r>
+              <a:rPr lang="en-US" dirty="0" err="1">
+                <a:solidFill>
+                  <a:schemeClr val="accent1"/>
+                </a:solidFill>
+              </a:rPr>
+              <a:t>GoogleTest</a:t>
+            </a:r>
+            <a:endParaRPr lang="en-US" dirty="0">
+              <a:solidFill>
+                <a:schemeClr val="accent1"/>
+              </a:solidFill>
+            </a:endParaRPr>
+          </a:p>
+          <a:p>
+            <a:r>
+              <a:rPr lang="en-US" dirty="0">
+                <a:solidFill>
+                  <a:schemeClr val="accent1"/>
+                </a:solidFill>
+              </a:rPr>
+              <a:t>Dependency Injection</a:t>
+            </a:r>
+          </a:p>
+          <a:p>
+            <a:r>
+              <a:rPr lang="en-US" dirty="0">
+                <a:solidFill>
+                  <a:schemeClr val="accent1"/>
+                </a:solidFill>
+              </a:rPr>
+              <a:t>Mocks and stubs</a:t>
+            </a:r>
+          </a:p>
+          <a:p>
+            <a:r>
+              <a:rPr lang="en-US" dirty="0">
+                <a:solidFill>
+                  <a:schemeClr val="accent1"/>
+                </a:solidFill>
+              </a:rPr>
+              <a:t>Testability challenges and the options you have</a:t>
+            </a:r>
+          </a:p>
+        </p:txBody>
+      </p:sp>
+    </p:spTree>
+    <p:extLst>
+      <p:ext uri="{BB962C8B-B14F-4D97-AF65-F5344CB8AC3E}">
+        <p14:creationId xmlns:p14="http://schemas.microsoft.com/office/powerpoint/2010/main" val="3564365611"/>
+      </p:ext>
+    </p:extLst>
+  </p:cSld>
+  <p:clrMapOvr>
+    <a:masterClrMapping/>
+  </p:clrMapOvr>
+</p:sld>
+</file>
+
+<file path=ppt/slides/slide20.xml><?xml version="1.0" encoding="utf-8"?>
 <p:sld xmlns:a="http://schemas.openxmlformats.org/drawingml/2006/main" xmlns:r="http://schemas.openxmlformats.org/officeDocument/2006/relationships" xmlns:p="http://schemas.openxmlformats.org/presentationml/2006/main">
   <p:cSld>
     <p:spTree>
@@ -6080,7 +5686,7 @@
 </p:sld>
 </file>
 
-<file path=ppt/slides/slide22.xml><?xml version="1.0" encoding="utf-8"?>
+<file path=ppt/slides/slide21.xml><?xml version="1.0" encoding="utf-8"?>
 <p:sld xmlns:a="http://schemas.openxmlformats.org/drawingml/2006/main" xmlns:r="http://schemas.openxmlformats.org/officeDocument/2006/relationships" xmlns:p="http://schemas.openxmlformats.org/presentationml/2006/main">
   <p:cSld>
     <p:spTree>
@@ -6152,7 +5758,7 @@
             <p:ph idx="1"/>
             <p:extLst>
               <p:ext uri="{D42A27DB-BD31-4B8C-83A1-F6EECF244321}">
-                <p14:modId xmlns:p14="http://schemas.microsoft.com/office/powerpoint/2010/main" val="2004486387"/>
+                <p14:modId xmlns:p14="http://schemas.microsoft.com/office/powerpoint/2010/main" val="19822221"/>
               </p:ext>
             </p:extLst>
           </p:nvPr>
@@ -6168,14 +5774,14 @@
                 <a:tableStyleId>{46F890A9-2807-4EBB-B81D-B2AA78EC7F39}</a:tableStyleId>
               </a:tblPr>
               <a:tblGrid>
-                <a:gridCol w="2667000">
+                <a:gridCol w="2438400">
                   <a:extLst>
                     <a:ext uri="{9D8B030D-6E8A-4147-A177-3AD203B41FA5}">
                       <a16:colId xmlns:a16="http://schemas.microsoft.com/office/drawing/2014/main" val="2828882500"/>
                     </a:ext>
                   </a:extLst>
                 </a:gridCol>
-                <a:gridCol w="5562600">
+                <a:gridCol w="5791200">
                   <a:extLst>
                     <a:ext uri="{9D8B030D-6E8A-4147-A177-3AD203B41FA5}">
                       <a16:colId xmlns:a16="http://schemas.microsoft.com/office/drawing/2014/main" val="2512347793"/>
@@ -6213,13 +5819,41 @@
                       <a:r>
                         <a:rPr lang="en-US" sz="2400" kern="1200" dirty="0">
                           <a:solidFill>
-                            <a:schemeClr val="tx2"/>
+                            <a:schemeClr val="accent3">
+                              <a:lumMod val="75000"/>
+                            </a:schemeClr>
                           </a:solidFill>
                           <a:latin typeface="+mn-lt"/>
                           <a:ea typeface="+mn-ea"/>
                           <a:cs typeface="+mn-cs"/>
                         </a:rPr>
-                        <a:t>Verification, debugging, documentation and design</a:t>
+                        <a:t>Verification, debugging, documentation and </a:t>
+                      </a:r>
+                      <a:r>
+                        <a:rPr lang="en-US" sz="2400" kern="1200">
+                          <a:solidFill>
+                            <a:schemeClr val="accent3">
+                              <a:lumMod val="75000"/>
+                            </a:schemeClr>
+                          </a:solidFill>
+                          <a:latin typeface="+mn-lt"/>
+                          <a:ea typeface="+mn-ea"/>
+                          <a:cs typeface="+mn-cs"/>
+                        </a:rPr>
+                        <a:t>an motivator </a:t>
+                      </a:r>
+                      <a:r>
+                        <a:rPr lang="en-US" sz="2400" kern="1200" dirty="0">
+                          <a:solidFill>
+                            <a:schemeClr val="accent3">
+                              <a:lumMod val="75000"/>
+                            </a:schemeClr>
+                          </a:solidFill>
+                          <a:latin typeface="+mn-lt"/>
+                          <a:ea typeface="+mn-ea"/>
+                          <a:cs typeface="+mn-cs"/>
+                        </a:rPr>
+                        <a:t>of good design</a:t>
                       </a:r>
                     </a:p>
                   </a:txBody>
@@ -6261,7 +5895,9 @@
                       <a:r>
                         <a:rPr lang="en-US" sz="2400" kern="1200" dirty="0">
                           <a:solidFill>
-                            <a:schemeClr val="tx2"/>
+                            <a:schemeClr val="accent3">
+                              <a:lumMod val="75000"/>
+                            </a:schemeClr>
                           </a:solidFill>
                           <a:latin typeface="+mn-lt"/>
                           <a:ea typeface="+mn-ea"/>
@@ -6272,7 +5908,9 @@
                       <a:r>
                         <a:rPr lang="en-US" sz="2400" kern="1200" dirty="0" err="1">
                           <a:solidFill>
-                            <a:schemeClr val="tx2"/>
+                            <a:schemeClr val="accent3">
+                              <a:lumMod val="75000"/>
+                            </a:schemeClr>
                           </a:solidFill>
                           <a:latin typeface="+mn-lt"/>
                           <a:ea typeface="+mn-ea"/>
@@ -6283,7 +5921,9 @@
                       <a:r>
                         <a:rPr lang="en-US" sz="2400" kern="1200" dirty="0">
                           <a:solidFill>
-                            <a:schemeClr val="tx2"/>
+                            <a:schemeClr val="accent3">
+                              <a:lumMod val="75000"/>
+                            </a:schemeClr>
                           </a:solidFill>
                           <a:latin typeface="+mn-lt"/>
                           <a:ea typeface="+mn-ea"/>
@@ -6331,7 +5971,9 @@
                       <a:r>
                         <a:rPr lang="en-US" sz="2400" kern="1200" dirty="0">
                           <a:solidFill>
-                            <a:schemeClr val="tx2"/>
+                            <a:schemeClr val="accent3">
+                              <a:lumMod val="75000"/>
+                            </a:schemeClr>
                           </a:solidFill>
                           <a:latin typeface="+mn-lt"/>
                           <a:ea typeface="+mn-ea"/>
@@ -6379,7 +6021,9 @@
                       <a:r>
                         <a:rPr lang="en-US" sz="2400" kern="1200" dirty="0">
                           <a:solidFill>
-                            <a:schemeClr val="tx2"/>
+                            <a:schemeClr val="accent3">
+                              <a:lumMod val="75000"/>
+                            </a:schemeClr>
                           </a:solidFill>
                           <a:latin typeface="+mn-lt"/>
                           <a:ea typeface="+mn-ea"/>
@@ -6443,7 +6087,9 @@
                       <a:r>
                         <a:rPr lang="en-US" sz="2400" kern="1200" dirty="0">
                           <a:solidFill>
-                            <a:schemeClr val="tx2"/>
+                            <a:schemeClr val="accent3">
+                              <a:lumMod val="75000"/>
+                            </a:schemeClr>
                           </a:solidFill>
                           <a:latin typeface="+mn-lt"/>
                           <a:ea typeface="+mn-ea"/>
@@ -6454,7 +6100,9 @@
                       <a:br>
                         <a:rPr lang="en-US" sz="2400" kern="1200" dirty="0">
                           <a:solidFill>
-                            <a:schemeClr val="tx2"/>
+                            <a:schemeClr val="accent3">
+                              <a:lumMod val="75000"/>
+                            </a:schemeClr>
                           </a:solidFill>
                           <a:latin typeface="+mn-lt"/>
                           <a:ea typeface="+mn-ea"/>
@@ -6464,7 +6112,9 @@
                       <a:r>
                         <a:rPr lang="en-US" sz="2400" kern="1200" dirty="0">
                           <a:solidFill>
-                            <a:schemeClr val="tx2"/>
+                            <a:schemeClr val="accent3">
+                              <a:lumMod val="75000"/>
+                            </a:schemeClr>
                           </a:solidFill>
                           <a:latin typeface="+mn-lt"/>
                           <a:ea typeface="+mn-ea"/>
@@ -6562,179 +6212,6 @@
   <p:cSld>
     <p:spTree>
       <p:nvGrpSpPr>
-        <p:cNvPr id="1" name=""/>
-        <p:cNvGrpSpPr/>
-        <p:nvPr/>
-      </p:nvGrpSpPr>
-      <p:grpSpPr>
-        <a:xfrm>
-          <a:off x="0" y="0"/>
-          <a:ext cx="0" cy="0"/>
-          <a:chOff x="0" y="0"/>
-          <a:chExt cx="0" cy="0"/>
-        </a:xfrm>
-      </p:grpSpPr>
-      <p:sp>
-        <p:nvSpPr>
-          <p:cNvPr id="2" name="Title 1"/>
-          <p:cNvSpPr>
-            <a:spLocks noGrp="1"/>
-          </p:cNvSpPr>
-          <p:nvPr>
-            <p:ph type="title"/>
-          </p:nvPr>
-        </p:nvSpPr>
-        <p:spPr>
-          <a:xfrm>
-            <a:off x="457200" y="274638"/>
-            <a:ext cx="8229600" cy="1143000"/>
-          </a:xfrm>
-        </p:spPr>
-        <p:txBody>
-          <a:bodyPr/>
-          <a:lstStyle/>
-          <a:p>
-            <a:r>
-              <a:rPr lang="en-US" dirty="0"/>
-              <a:t>Agenda</a:t>
-            </a:r>
-          </a:p>
-        </p:txBody>
-      </p:sp>
-      <p:sp>
-        <p:nvSpPr>
-          <p:cNvPr id="3" name="Content Placeholder 2"/>
-          <p:cNvSpPr>
-            <a:spLocks noGrp="1"/>
-          </p:cNvSpPr>
-          <p:nvPr>
-            <p:ph idx="1"/>
-          </p:nvPr>
-        </p:nvSpPr>
-        <p:spPr>
-          <a:xfrm>
-            <a:off x="457200" y="1600200"/>
-            <a:ext cx="8229600" cy="4525963"/>
-          </a:xfrm>
-        </p:spPr>
-        <p:txBody>
-          <a:bodyPr>
-            <a:normAutofit fontScale="92500"/>
-          </a:bodyPr>
-          <a:lstStyle/>
-          <a:p>
-            <a:r>
-              <a:rPr lang="en-US" dirty="0">
-                <a:solidFill>
-                  <a:schemeClr val="accent1"/>
-                </a:solidFill>
-              </a:rPr>
-              <a:t>Why do we need tests?</a:t>
-            </a:r>
-          </a:p>
-          <a:p>
-            <a:r>
-              <a:rPr lang="en-US" dirty="0">
-                <a:solidFill>
-                  <a:schemeClr val="accent1"/>
-                </a:solidFill>
-              </a:rPr>
-              <a:t>What are good tests?</a:t>
-            </a:r>
-          </a:p>
-          <a:p>
-            <a:r>
-              <a:rPr lang="en-US" dirty="0">
-                <a:solidFill>
-                  <a:schemeClr val="accent1"/>
-                </a:solidFill>
-              </a:rPr>
-              <a:t>Types of tests</a:t>
-            </a:r>
-          </a:p>
-          <a:p>
-            <a:r>
-              <a:rPr lang="en-US" dirty="0">
-                <a:solidFill>
-                  <a:schemeClr val="accent1"/>
-                </a:solidFill>
-              </a:rPr>
-              <a:t>How do we make code testable?</a:t>
-            </a:r>
-          </a:p>
-          <a:p>
-            <a:r>
-              <a:rPr lang="en-US" dirty="0">
-                <a:solidFill>
-                  <a:schemeClr val="accent1"/>
-                </a:solidFill>
-              </a:rPr>
-              <a:t>Introducing </a:t>
-            </a:r>
-            <a:r>
-              <a:rPr lang="en-US" dirty="0" err="1">
-                <a:solidFill>
-                  <a:schemeClr val="accent1"/>
-                </a:solidFill>
-              </a:rPr>
-              <a:t>GoogleTest</a:t>
-            </a:r>
-            <a:endParaRPr lang="en-US" dirty="0">
-              <a:solidFill>
-                <a:schemeClr val="accent1"/>
-              </a:solidFill>
-            </a:endParaRPr>
-          </a:p>
-          <a:p>
-            <a:r>
-              <a:rPr lang="en-US" dirty="0">
-                <a:solidFill>
-                  <a:schemeClr val="accent1"/>
-                </a:solidFill>
-              </a:rPr>
-              <a:t>Dependency Injection</a:t>
-            </a:r>
-          </a:p>
-          <a:p>
-            <a:r>
-              <a:rPr lang="en-US" dirty="0">
-                <a:solidFill>
-                  <a:schemeClr val="accent1"/>
-                </a:solidFill>
-              </a:rPr>
-              <a:t>Mocks and stubs</a:t>
-            </a:r>
-          </a:p>
-          <a:p>
-            <a:r>
-              <a:rPr lang="en-US" dirty="0">
-                <a:solidFill>
-                  <a:schemeClr val="accent1"/>
-                </a:solidFill>
-              </a:rPr>
-              <a:t>Testability challenges and the options you have</a:t>
-            </a:r>
-          </a:p>
-        </p:txBody>
-      </p:sp>
-    </p:spTree>
-    <p:extLst>
-      <p:ext uri="{BB962C8B-B14F-4D97-AF65-F5344CB8AC3E}">
-        <p14:creationId xmlns:p14="http://schemas.microsoft.com/office/powerpoint/2010/main" val="3564365611"/>
-      </p:ext>
-    </p:extLst>
-  </p:cSld>
-  <p:clrMapOvr>
-    <a:masterClrMapping/>
-  </p:clrMapOvr>
-</p:sld>
-</file>
-
-<file path=ppt/slides/slide4.xml><?xml version="1.0" encoding="utf-8"?>
-<p:sld xmlns:a="http://schemas.openxmlformats.org/drawingml/2006/main" xmlns:r="http://schemas.openxmlformats.org/officeDocument/2006/relationships" xmlns:p="http://schemas.openxmlformats.org/presentationml/2006/main">
-  <p:cSld>
-    <p:spTree>
-      <p:nvGrpSpPr>
         <p:cNvPr id="1" name="">
           <a:extLst>
             <a:ext uri="{FF2B5EF4-FFF2-40B4-BE49-F238E27FC236}">
@@ -6909,7 +6386,7 @@
 </p:sld>
 </file>
 
-<file path=ppt/slides/slide5.xml><?xml version="1.0" encoding="utf-8"?>
+<file path=ppt/slides/slide4.xml><?xml version="1.0" encoding="utf-8"?>
 <p:sld xmlns:a="http://schemas.openxmlformats.org/drawingml/2006/main" xmlns:r="http://schemas.openxmlformats.org/officeDocument/2006/relationships" xmlns:p="http://schemas.openxmlformats.org/presentationml/2006/main">
   <p:cSld>
     <p:spTree>
@@ -7079,7 +6556,7 @@
 </p:sld>
 </file>
 
-<file path=ppt/slides/slide6.xml><?xml version="1.0" encoding="utf-8"?>
+<file path=ppt/slides/slide5.xml><?xml version="1.0" encoding="utf-8"?>
 <p:sld xmlns:a="http://schemas.openxmlformats.org/drawingml/2006/main" xmlns:r="http://schemas.openxmlformats.org/officeDocument/2006/relationships" xmlns:p="http://schemas.openxmlformats.org/presentationml/2006/main">
   <p:cSld>
     <p:spTree>
@@ -7279,7 +6756,7 @@
 </p:sld>
 </file>
 
-<file path=ppt/slides/slide7.xml><?xml version="1.0" encoding="utf-8"?>
+<file path=ppt/slides/slide6.xml><?xml version="1.0" encoding="utf-8"?>
 <p:sld xmlns:a="http://schemas.openxmlformats.org/drawingml/2006/main" xmlns:r="http://schemas.openxmlformats.org/officeDocument/2006/relationships" xmlns:p="http://schemas.openxmlformats.org/presentationml/2006/main">
   <p:cSld>
     <p:spTree>
@@ -7462,7 +6939,7 @@
 </p:sld>
 </file>
 
-<file path=ppt/slides/slide8.xml><?xml version="1.0" encoding="utf-8"?>
+<file path=ppt/slides/slide7.xml><?xml version="1.0" encoding="utf-8"?>
 <p:sld xmlns:a="http://schemas.openxmlformats.org/drawingml/2006/main" xmlns:r="http://schemas.openxmlformats.org/officeDocument/2006/relationships" xmlns:p="http://schemas.openxmlformats.org/presentationml/2006/main">
   <p:cSld>
     <p:spTree>
@@ -7706,7 +7183,7 @@
 </p:sld>
 </file>
 
-<file path=ppt/slides/slide9.xml><?xml version="1.0" encoding="utf-8"?>
+<file path=ppt/slides/slide8.xml><?xml version="1.0" encoding="utf-8"?>
 <p:sld xmlns:a="http://schemas.openxmlformats.org/drawingml/2006/main" xmlns:r="http://schemas.openxmlformats.org/officeDocument/2006/relationships" xmlns:p="http://schemas.openxmlformats.org/presentationml/2006/main">
   <p:cSld>
     <p:spTree>
@@ -7937,6 +7414,496 @@
     <p:extLst>
       <p:ext uri="{BB962C8B-B14F-4D97-AF65-F5344CB8AC3E}">
         <p14:creationId xmlns:p14="http://schemas.microsoft.com/office/powerpoint/2010/main" val="784821505"/>
+      </p:ext>
+    </p:extLst>
+  </p:cSld>
+  <p:clrMapOvr>
+    <a:masterClrMapping/>
+  </p:clrMapOvr>
+</p:sld>
+</file>
+
+<file path=ppt/slides/slide9.xml><?xml version="1.0" encoding="utf-8"?>
+<p:sld xmlns:a="http://schemas.openxmlformats.org/drawingml/2006/main" xmlns:r="http://schemas.openxmlformats.org/officeDocument/2006/relationships" xmlns:p="http://schemas.openxmlformats.org/presentationml/2006/main">
+  <p:cSld>
+    <p:spTree>
+      <p:nvGrpSpPr>
+        <p:cNvPr id="1" name=""/>
+        <p:cNvGrpSpPr/>
+        <p:nvPr/>
+      </p:nvGrpSpPr>
+      <p:grpSpPr>
+        <a:xfrm>
+          <a:off x="0" y="0"/>
+          <a:ext cx="0" cy="0"/>
+          <a:chOff x="0" y="0"/>
+          <a:chExt cx="0" cy="0"/>
+        </a:xfrm>
+      </p:grpSpPr>
+      <p:pic>
+        <p:nvPicPr>
+          <p:cNvPr id="9" name="Picture 8">
+            <a:extLst>
+              <a:ext uri="{FF2B5EF4-FFF2-40B4-BE49-F238E27FC236}">
+                <a16:creationId xmlns:a16="http://schemas.microsoft.com/office/drawing/2014/main" id="{A6CE4240-DCCC-0E66-2EE3-42F83B94E038}"/>
+              </a:ext>
+            </a:extLst>
+          </p:cNvPr>
+          <p:cNvPicPr>
+            <a:picLocks noChangeAspect="1"/>
+          </p:cNvPicPr>
+          <p:nvPr/>
+        </p:nvPicPr>
+        <p:blipFill>
+          <a:blip r:embed="rId2"/>
+          <a:stretch>
+            <a:fillRect/>
+          </a:stretch>
+        </p:blipFill>
+        <p:spPr>
+          <a:xfrm>
+            <a:off x="4114799" y="228600"/>
+            <a:ext cx="4641477" cy="5791200"/>
+          </a:xfrm>
+          <a:prstGeom prst="rect">
+            <a:avLst/>
+          </a:prstGeom>
+          <a:ln w="3175">
+            <a:solidFill>
+              <a:schemeClr val="accent1"/>
+            </a:solidFill>
+          </a:ln>
+        </p:spPr>
+      </p:pic>
+      <p:sp>
+        <p:nvSpPr>
+          <p:cNvPr id="6" name="Callout: Line 5">
+            <a:extLst>
+              <a:ext uri="{FF2B5EF4-FFF2-40B4-BE49-F238E27FC236}">
+                <a16:creationId xmlns:a16="http://schemas.microsoft.com/office/drawing/2014/main" id="{98F62B3A-C94D-1584-BC47-1870B1CA258E}"/>
+              </a:ext>
+            </a:extLst>
+          </p:cNvPr>
+          <p:cNvSpPr/>
+          <p:nvPr/>
+        </p:nvSpPr>
+        <p:spPr>
+          <a:xfrm>
+            <a:off x="304800" y="310668"/>
+            <a:ext cx="2819400" cy="685800"/>
+          </a:xfrm>
+          <a:prstGeom prst="borderCallout1">
+            <a:avLst>
+              <a:gd name="adj1" fmla="val 52701"/>
+              <a:gd name="adj2" fmla="val 99645"/>
+              <a:gd name="adj3" fmla="val 3858"/>
+              <a:gd name="adj4" fmla="val 147022"/>
+            </a:avLst>
+          </a:prstGeom>
+          <a:noFill/>
+          <a:ln w="9525"/>
+        </p:spPr>
+        <p:style>
+          <a:lnRef idx="2">
+            <a:schemeClr val="accent1">
+              <a:shade val="15000"/>
+            </a:schemeClr>
+          </a:lnRef>
+          <a:fillRef idx="1">
+            <a:schemeClr val="accent1"/>
+          </a:fillRef>
+          <a:effectRef idx="0">
+            <a:schemeClr val="accent1"/>
+          </a:effectRef>
+          <a:fontRef idx="minor">
+            <a:schemeClr val="lt1"/>
+          </a:fontRef>
+        </p:style>
+        <p:txBody>
+          <a:bodyPr rtlCol="0" anchor="ctr"/>
+          <a:lstStyle/>
+          <a:p>
+            <a:pPr algn="ctr"/>
+            <a:r>
+              <a:rPr lang="fr-FR" dirty="0">
+                <a:solidFill>
+                  <a:schemeClr val="tx1"/>
+                </a:solidFill>
+              </a:rPr>
+              <a:t>The </a:t>
+            </a:r>
+            <a:r>
+              <a:rPr lang="fr-FR" dirty="0" err="1">
+                <a:solidFill>
+                  <a:schemeClr val="tx1"/>
+                </a:solidFill>
+              </a:rPr>
+              <a:t>only</a:t>
+            </a:r>
+            <a:r>
+              <a:rPr lang="fr-FR" dirty="0">
+                <a:solidFill>
+                  <a:schemeClr val="tx1"/>
+                </a:solidFill>
+              </a:rPr>
+              <a:t> </a:t>
+            </a:r>
+            <a:r>
+              <a:rPr lang="fr-FR" dirty="0" err="1">
+                <a:solidFill>
+                  <a:schemeClr val="tx1"/>
+                </a:solidFill>
+              </a:rPr>
+              <a:t>include</a:t>
+            </a:r>
+            <a:r>
+              <a:rPr lang="fr-FR" dirty="0">
+                <a:solidFill>
+                  <a:schemeClr val="tx1"/>
+                </a:solidFill>
+              </a:rPr>
+              <a:t> </a:t>
+            </a:r>
+            <a:r>
+              <a:rPr lang="fr-FR" dirty="0" err="1">
+                <a:solidFill>
+                  <a:schemeClr val="tx1"/>
+                </a:solidFill>
+              </a:rPr>
+              <a:t>you</a:t>
+            </a:r>
+            <a:r>
+              <a:rPr lang="fr-FR" dirty="0">
+                <a:solidFill>
+                  <a:schemeClr val="tx1"/>
+                </a:solidFill>
+              </a:rPr>
+              <a:t> </a:t>
+            </a:r>
+            <a:r>
+              <a:rPr lang="fr-FR" dirty="0" err="1">
+                <a:solidFill>
+                  <a:schemeClr val="tx1"/>
+                </a:solidFill>
+              </a:rPr>
+              <a:t>need</a:t>
+            </a:r>
+            <a:r>
+              <a:rPr lang="fr-FR" dirty="0">
+                <a:solidFill>
+                  <a:schemeClr val="tx1"/>
+                </a:solidFill>
+              </a:rPr>
+              <a:t> </a:t>
+            </a:r>
+            <a:endParaRPr lang="en-US" dirty="0">
+              <a:solidFill>
+                <a:schemeClr val="tx1"/>
+              </a:solidFill>
+            </a:endParaRPr>
+          </a:p>
+        </p:txBody>
+      </p:sp>
+      <p:sp>
+        <p:nvSpPr>
+          <p:cNvPr id="7" name="Callout: Line 6">
+            <a:extLst>
+              <a:ext uri="{FF2B5EF4-FFF2-40B4-BE49-F238E27FC236}">
+                <a16:creationId xmlns:a16="http://schemas.microsoft.com/office/drawing/2014/main" id="{D5DBBB3E-5044-41DC-5CFD-92AB5C2C5A65}"/>
+              </a:ext>
+            </a:extLst>
+          </p:cNvPr>
+          <p:cNvSpPr/>
+          <p:nvPr/>
+        </p:nvSpPr>
+        <p:spPr>
+          <a:xfrm>
+            <a:off x="292100" y="1447800"/>
+            <a:ext cx="2819400" cy="685800"/>
+          </a:xfrm>
+          <a:prstGeom prst="borderCallout1">
+            <a:avLst>
+              <a:gd name="adj1" fmla="val 52701"/>
+              <a:gd name="adj2" fmla="val 99645"/>
+              <a:gd name="adj3" fmla="val 19907"/>
+              <a:gd name="adj4" fmla="val 148823"/>
+            </a:avLst>
+          </a:prstGeom>
+          <a:noFill/>
+          <a:ln w="9525"/>
+        </p:spPr>
+        <p:style>
+          <a:lnRef idx="2">
+            <a:schemeClr val="accent1">
+              <a:shade val="15000"/>
+            </a:schemeClr>
+          </a:lnRef>
+          <a:fillRef idx="1">
+            <a:schemeClr val="accent1"/>
+          </a:fillRef>
+          <a:effectRef idx="0">
+            <a:schemeClr val="accent1"/>
+          </a:effectRef>
+          <a:fontRef idx="minor">
+            <a:schemeClr val="lt1"/>
+          </a:fontRef>
+        </p:style>
+        <p:txBody>
+          <a:bodyPr rtlCol="0" anchor="ctr"/>
+          <a:lstStyle/>
+          <a:p>
+            <a:r>
+              <a:rPr lang="fr-FR" dirty="0">
+                <a:solidFill>
+                  <a:schemeClr val="tx1"/>
+                </a:solidFill>
+              </a:rPr>
+              <a:t>The TEST macro </a:t>
+            </a:r>
+            <a:r>
+              <a:rPr lang="fr-FR" dirty="0" err="1">
+                <a:solidFill>
+                  <a:schemeClr val="tx1"/>
+                </a:solidFill>
+              </a:rPr>
+              <a:t>defines</a:t>
+            </a:r>
+            <a:r>
+              <a:rPr lang="fr-FR" dirty="0">
+                <a:solidFill>
+                  <a:schemeClr val="tx1"/>
+                </a:solidFill>
+              </a:rPr>
+              <a:t> a suite </a:t>
+            </a:r>
+            <a:r>
+              <a:rPr lang="fr-FR" dirty="0" err="1">
+                <a:solidFill>
+                  <a:schemeClr val="tx1"/>
+                </a:solidFill>
+              </a:rPr>
+              <a:t>name</a:t>
+            </a:r>
+            <a:r>
+              <a:rPr lang="fr-FR" dirty="0">
+                <a:solidFill>
+                  <a:schemeClr val="tx1"/>
+                </a:solidFill>
+              </a:rPr>
+              <a:t> and a test </a:t>
+            </a:r>
+            <a:r>
+              <a:rPr lang="fr-FR" dirty="0" err="1">
+                <a:solidFill>
+                  <a:schemeClr val="tx1"/>
+                </a:solidFill>
+              </a:rPr>
+              <a:t>name</a:t>
+            </a:r>
+            <a:endParaRPr lang="en-US" dirty="0">
+              <a:solidFill>
+                <a:schemeClr val="tx1"/>
+              </a:solidFill>
+            </a:endParaRPr>
+          </a:p>
+        </p:txBody>
+      </p:sp>
+      <p:sp>
+        <p:nvSpPr>
+          <p:cNvPr id="11" name="Callout: Line 10">
+            <a:extLst>
+              <a:ext uri="{FF2B5EF4-FFF2-40B4-BE49-F238E27FC236}">
+                <a16:creationId xmlns:a16="http://schemas.microsoft.com/office/drawing/2014/main" id="{1204816E-E939-5D1B-C39C-E8CD741210E3}"/>
+              </a:ext>
+            </a:extLst>
+          </p:cNvPr>
+          <p:cNvSpPr/>
+          <p:nvPr/>
+        </p:nvSpPr>
+        <p:spPr>
+          <a:xfrm>
+            <a:off x="304800" y="3048000"/>
+            <a:ext cx="2819400" cy="685800"/>
+          </a:xfrm>
+          <a:prstGeom prst="borderCallout1">
+            <a:avLst>
+              <a:gd name="adj1" fmla="val 52701"/>
+              <a:gd name="adj2" fmla="val 99645"/>
+              <a:gd name="adj3" fmla="val 48919"/>
+              <a:gd name="adj4" fmla="val 154378"/>
+            </a:avLst>
+          </a:prstGeom>
+          <a:noFill/>
+          <a:ln w="9525"/>
+        </p:spPr>
+        <p:style>
+          <a:lnRef idx="2">
+            <a:schemeClr val="accent1">
+              <a:shade val="15000"/>
+            </a:schemeClr>
+          </a:lnRef>
+          <a:fillRef idx="1">
+            <a:schemeClr val="accent1"/>
+          </a:fillRef>
+          <a:effectRef idx="0">
+            <a:schemeClr val="accent1"/>
+          </a:effectRef>
+          <a:fontRef idx="minor">
+            <a:schemeClr val="lt1"/>
+          </a:fontRef>
+        </p:style>
+        <p:txBody>
+          <a:bodyPr rtlCol="0" anchor="ctr"/>
+          <a:lstStyle/>
+          <a:p>
+            <a:r>
+              <a:rPr lang="fr-FR" dirty="0">
+                <a:solidFill>
+                  <a:schemeClr val="tx1"/>
+                </a:solidFill>
+              </a:rPr>
+              <a:t>Assertions </a:t>
+            </a:r>
+            <a:r>
+              <a:rPr lang="fr-FR" dirty="0" err="1">
+                <a:solidFill>
+                  <a:schemeClr val="tx1"/>
+                </a:solidFill>
+              </a:rPr>
+              <a:t>abort</a:t>
+            </a:r>
+            <a:r>
+              <a:rPr lang="fr-FR" dirty="0">
+                <a:solidFill>
+                  <a:schemeClr val="tx1"/>
+                </a:solidFill>
+              </a:rPr>
+              <a:t> the test if </a:t>
+            </a:r>
+            <a:r>
+              <a:rPr lang="fr-FR" dirty="0" err="1">
+                <a:solidFill>
+                  <a:schemeClr val="tx1"/>
+                </a:solidFill>
+              </a:rPr>
+              <a:t>they</a:t>
+            </a:r>
+            <a:r>
+              <a:rPr lang="fr-FR" dirty="0">
+                <a:solidFill>
+                  <a:schemeClr val="tx1"/>
+                </a:solidFill>
+              </a:rPr>
+              <a:t> fail</a:t>
+            </a:r>
+            <a:endParaRPr lang="en-US" dirty="0">
+              <a:solidFill>
+                <a:schemeClr val="tx1"/>
+              </a:solidFill>
+            </a:endParaRPr>
+          </a:p>
+        </p:txBody>
+      </p:sp>
+      <p:sp>
+        <p:nvSpPr>
+          <p:cNvPr id="13" name="Callout: Line 12">
+            <a:extLst>
+              <a:ext uri="{FF2B5EF4-FFF2-40B4-BE49-F238E27FC236}">
+                <a16:creationId xmlns:a16="http://schemas.microsoft.com/office/drawing/2014/main" id="{3FC75EBD-93E6-FD7B-F839-1B4189FDEF4F}"/>
+              </a:ext>
+            </a:extLst>
+          </p:cNvPr>
+          <p:cNvSpPr/>
+          <p:nvPr/>
+        </p:nvSpPr>
+        <p:spPr>
+          <a:xfrm>
+            <a:off x="292100" y="4262968"/>
+            <a:ext cx="2819400" cy="685800"/>
+          </a:xfrm>
+          <a:prstGeom prst="borderCallout1">
+            <a:avLst>
+              <a:gd name="adj1" fmla="val 52701"/>
+              <a:gd name="adj2" fmla="val 99645"/>
+              <a:gd name="adj3" fmla="val 47684"/>
+              <a:gd name="adj4" fmla="val 155729"/>
+            </a:avLst>
+          </a:prstGeom>
+          <a:noFill/>
+          <a:ln w="9525"/>
+        </p:spPr>
+        <p:style>
+          <a:lnRef idx="2">
+            <a:schemeClr val="accent1">
+              <a:shade val="15000"/>
+            </a:schemeClr>
+          </a:lnRef>
+          <a:fillRef idx="1">
+            <a:schemeClr val="accent1"/>
+          </a:fillRef>
+          <a:effectRef idx="0">
+            <a:schemeClr val="accent1"/>
+          </a:effectRef>
+          <a:fontRef idx="minor">
+            <a:schemeClr val="lt1"/>
+          </a:fontRef>
+        </p:style>
+        <p:txBody>
+          <a:bodyPr rtlCol="0" anchor="ctr"/>
+          <a:lstStyle/>
+          <a:p>
+            <a:r>
+              <a:rPr lang="fr-FR" dirty="0">
+                <a:solidFill>
+                  <a:schemeClr val="tx1"/>
+                </a:solidFill>
+              </a:rPr>
+              <a:t>Expectations </a:t>
+            </a:r>
+            <a:r>
+              <a:rPr lang="fr-FR" dirty="0" err="1">
+                <a:solidFill>
+                  <a:schemeClr val="tx1"/>
+                </a:solidFill>
+              </a:rPr>
+              <a:t>allow</a:t>
+            </a:r>
+            <a:r>
+              <a:rPr lang="fr-FR" dirty="0">
+                <a:solidFill>
+                  <a:schemeClr val="tx1"/>
+                </a:solidFill>
+              </a:rPr>
+              <a:t> the test to continue if </a:t>
+            </a:r>
+            <a:r>
+              <a:rPr lang="fr-FR" dirty="0" err="1">
+                <a:solidFill>
+                  <a:schemeClr val="tx1"/>
+                </a:solidFill>
+              </a:rPr>
+              <a:t>they</a:t>
+            </a:r>
+            <a:r>
+              <a:rPr lang="fr-FR" dirty="0">
+                <a:solidFill>
+                  <a:schemeClr val="tx1"/>
+                </a:solidFill>
+              </a:rPr>
+              <a:t> fail </a:t>
+            </a:r>
+            <a:endParaRPr lang="en-US" dirty="0">
+              <a:solidFill>
+                <a:schemeClr val="tx1"/>
+              </a:solidFill>
+            </a:endParaRPr>
+          </a:p>
+        </p:txBody>
+      </p:sp>
+    </p:spTree>
+    <p:extLst>
+      <p:ext uri="{BB962C8B-B14F-4D97-AF65-F5344CB8AC3E}">
+        <p14:creationId xmlns:p14="http://schemas.microsoft.com/office/powerpoint/2010/main" val="3888715697"/>
       </p:ext>
     </p:extLst>
   </p:cSld>
